--- a/docs/diagrams/FindCommandSequenceDigram.pptx
+++ b/docs/diagrams/FindCommandSequenceDigram.pptx
@@ -3526,2241 +3526,2262 @@
           <a:chExt cx="0" cy="0"/>
         </a:xfrm>
       </p:grpSpPr>
-      <p:sp>
-        <p:nvSpPr>
-          <p:cNvPr id="56" name="Rectangle 65"/>
-          <p:cNvSpPr/>
+      <p:grpSp>
+        <p:nvGrpSpPr>
+          <p:cNvPr id="3" name="Group 2">
+            <a:extLst>
+              <a:ext uri="{FF2B5EF4-FFF2-40B4-BE49-F238E27FC236}">
+                <a16:creationId xmlns:a16="http://schemas.microsoft.com/office/drawing/2014/main" id="{7E08829E-7C5D-453B-9F8C-36EAF0A9A0BA}"/>
+              </a:ext>
+            </a:extLst>
+          </p:cNvPr>
+          <p:cNvGrpSpPr/>
           <p:nvPr/>
-        </p:nvSpPr>
-        <p:spPr>
+        </p:nvGrpSpPr>
+        <p:grpSpPr>
           <a:xfrm>
-            <a:off x="8916621" y="190139"/>
-            <a:ext cx="3954056" cy="6134462"/>
+            <a:off x="38100" y="163017"/>
+            <a:ext cx="13144259" cy="6271952"/>
+            <a:chOff x="38100" y="163017"/>
+            <a:chExt cx="13144259" cy="6271952"/>
           </a:xfrm>
-          <a:prstGeom prst="roundRect">
-            <a:avLst>
-              <a:gd name="adj" fmla="val 3484"/>
-            </a:avLst>
-          </a:prstGeom>
-          <a:solidFill>
-            <a:schemeClr val="accent4">
-              <a:lumMod val="20000"/>
-              <a:lumOff val="80000"/>
-            </a:schemeClr>
-          </a:solidFill>
-          <a:ln w="19050">
-            <a:noFill/>
-          </a:ln>
-          <a:effectLst/>
-        </p:spPr>
-        <p:style>
-          <a:lnRef idx="1">
-            <a:schemeClr val="accent2"/>
-          </a:lnRef>
-          <a:fillRef idx="2">
-            <a:schemeClr val="accent2"/>
-          </a:fillRef>
-          <a:effectRef idx="1">
-            <a:schemeClr val="accent2"/>
-          </a:effectRef>
-          <a:fontRef idx="minor">
-            <a:schemeClr val="dk1"/>
-          </a:fontRef>
-        </p:style>
-        <p:txBody>
-          <a:bodyPr rtlCol="0" anchor="t"/>
-          <a:lstStyle/>
-          <a:p>
-            <a:r>
-              <a:rPr lang="en-US" sz="1200" b="1" dirty="0">
+        </p:grpSpPr>
+        <p:sp>
+          <p:nvSpPr>
+            <p:cNvPr id="56" name="Rectangle 65"/>
+            <p:cNvSpPr/>
+            <p:nvPr/>
+          </p:nvSpPr>
+          <p:spPr>
+            <a:xfrm>
+              <a:off x="8916621" y="190139"/>
+              <a:ext cx="3954056" cy="6134462"/>
+            </a:xfrm>
+            <a:prstGeom prst="roundRect">
+              <a:avLst>
+                <a:gd name="adj" fmla="val 3484"/>
+              </a:avLst>
+            </a:prstGeom>
+            <a:solidFill>
+              <a:schemeClr val="accent4">
+                <a:lumMod val="20000"/>
+                <a:lumOff val="80000"/>
+              </a:schemeClr>
+            </a:solidFill>
+            <a:ln w="19050">
+              <a:noFill/>
+            </a:ln>
+            <a:effectLst/>
+          </p:spPr>
+          <p:style>
+            <a:lnRef idx="1">
+              <a:schemeClr val="accent2"/>
+            </a:lnRef>
+            <a:fillRef idx="2">
+              <a:schemeClr val="accent2"/>
+            </a:fillRef>
+            <a:effectRef idx="1">
+              <a:schemeClr val="accent2"/>
+            </a:effectRef>
+            <a:fontRef idx="minor">
+              <a:schemeClr val="dk1"/>
+            </a:fontRef>
+          </p:style>
+          <p:txBody>
+            <a:bodyPr rtlCol="0" anchor="t"/>
+            <a:lstStyle/>
+            <a:p>
+              <a:r>
+                <a:rPr lang="en-US" sz="1200" b="1" dirty="0">
+                  <a:solidFill>
+                    <a:srgbClr val="7030A0"/>
+                  </a:solidFill>
+                </a:rPr>
+                <a:t>Model</a:t>
+              </a:r>
+              <a:endParaRPr lang="en-SG" sz="1200" b="1" dirty="0">
                 <a:solidFill>
                   <a:srgbClr val="7030A0"/>
                 </a:solidFill>
-              </a:rPr>
-              <a:t>Model</a:t>
-            </a:r>
-            <a:endParaRPr lang="en-SG" sz="1200" b="1" dirty="0">
+              </a:endParaRPr>
+            </a:p>
+          </p:txBody>
+        </p:sp>
+        <p:sp>
+          <p:nvSpPr>
+            <p:cNvPr id="81" name="Rectangle 65"/>
+            <p:cNvSpPr/>
+            <p:nvPr/>
+          </p:nvSpPr>
+          <p:spPr>
+            <a:xfrm>
+              <a:off x="467812" y="163017"/>
+              <a:ext cx="8295189" cy="6271952"/>
+            </a:xfrm>
+            <a:prstGeom prst="roundRect">
+              <a:avLst>
+                <a:gd name="adj" fmla="val 3484"/>
+              </a:avLst>
+            </a:prstGeom>
+            <a:solidFill>
+              <a:schemeClr val="accent1">
+                <a:lumMod val="20000"/>
+                <a:lumOff val="80000"/>
+              </a:schemeClr>
+            </a:solidFill>
+            <a:ln w="19050">
+              <a:noFill/>
+            </a:ln>
+            <a:effectLst/>
+          </p:spPr>
+          <p:style>
+            <a:lnRef idx="1">
+              <a:schemeClr val="accent2"/>
+            </a:lnRef>
+            <a:fillRef idx="2">
+              <a:schemeClr val="accent2"/>
+            </a:fillRef>
+            <a:effectRef idx="1">
+              <a:schemeClr val="accent2"/>
+            </a:effectRef>
+            <a:fontRef idx="minor">
+              <a:schemeClr val="dk1"/>
+            </a:fontRef>
+          </p:style>
+          <p:txBody>
+            <a:bodyPr rtlCol="0" anchor="t"/>
+            <a:lstStyle/>
+            <a:p>
+              <a:r>
+                <a:rPr lang="en-US" sz="1200" b="1" dirty="0">
+                  <a:solidFill>
+                    <a:srgbClr val="0070C0"/>
+                  </a:solidFill>
+                </a:rPr>
+                <a:t>Logic</a:t>
+              </a:r>
+              <a:endParaRPr lang="en-SG" sz="1200" b="1" dirty="0">
+                <a:solidFill>
+                  <a:srgbClr val="0070C0"/>
+                </a:solidFill>
+              </a:endParaRPr>
+            </a:p>
+          </p:txBody>
+        </p:sp>
+        <p:sp>
+          <p:nvSpPr>
+            <p:cNvPr id="2" name="Rectangle 62"/>
+            <p:cNvSpPr/>
+            <p:nvPr/>
+          </p:nvSpPr>
+          <p:spPr>
+            <a:xfrm>
+              <a:off x="883145" y="543946"/>
+              <a:ext cx="1455629" cy="346760"/>
+            </a:xfrm>
+            <a:prstGeom prst="rect">
+              <a:avLst/>
+            </a:prstGeom>
+            <a:solidFill>
+              <a:srgbClr val="0070C0"/>
+            </a:solidFill>
+            <a:ln w="19050">
+              <a:solidFill>
+                <a:srgbClr val="0070C0"/>
+              </a:solidFill>
+            </a:ln>
+            <a:effectLst/>
+          </p:spPr>
+          <p:style>
+            <a:lnRef idx="1">
+              <a:schemeClr val="accent2"/>
+            </a:lnRef>
+            <a:fillRef idx="2">
+              <a:schemeClr val="accent2"/>
+            </a:fillRef>
+            <a:effectRef idx="1">
+              <a:schemeClr val="accent2"/>
+            </a:effectRef>
+            <a:fontRef idx="minor">
+              <a:schemeClr val="dk1"/>
+            </a:fontRef>
+          </p:style>
+          <p:txBody>
+            <a:bodyPr rtlCol="0" anchor="ctr"/>
+            <a:lstStyle/>
+            <a:p>
+              <a:pPr algn="ctr"/>
+              <a:r>
+                <a:rPr lang="en-US" sz="1600" dirty="0">
+                  <a:solidFill>
+                    <a:schemeClr val="bg1"/>
+                  </a:solidFill>
+                </a:rPr>
+                <a:t>:LogicManager</a:t>
+              </a:r>
+              <a:endParaRPr lang="en-SG" sz="1600" dirty="0">
+                <a:solidFill>
+                  <a:schemeClr val="bg1"/>
+                </a:solidFill>
+              </a:endParaRPr>
+            </a:p>
+          </p:txBody>
+        </p:sp>
+        <p:cxnSp>
+          <p:nvCxnSpPr>
+            <p:cNvPr id="5" name="Straight Connector 4"/>
+            <p:cNvCxnSpPr>
+              <a:cxnSpLocks/>
+            </p:cNvCxnSpPr>
+            <p:nvPr/>
+          </p:nvCxnSpPr>
+          <p:spPr>
+            <a:xfrm>
+              <a:off x="1610959" y="907617"/>
+              <a:ext cx="0" cy="4566938"/>
+            </a:xfrm>
+            <a:prstGeom prst="line">
+              <a:avLst/>
+            </a:prstGeom>
+            <a:ln w="19050">
+              <a:solidFill>
+                <a:srgbClr val="0070C0"/>
+              </a:solidFill>
+              <a:prstDash val="sysDash"/>
+            </a:ln>
+            <a:effectLst/>
+          </p:spPr>
+          <p:style>
+            <a:lnRef idx="1">
+              <a:schemeClr val="accent1"/>
+            </a:lnRef>
+            <a:fillRef idx="2">
+              <a:schemeClr val="accent1"/>
+            </a:fillRef>
+            <a:effectRef idx="1">
+              <a:schemeClr val="accent1"/>
+            </a:effectRef>
+            <a:fontRef idx="minor">
+              <a:schemeClr val="dk1"/>
+            </a:fontRef>
+          </p:style>
+        </p:cxnSp>
+        <p:sp>
+          <p:nvSpPr>
+            <p:cNvPr id="6" name="Rectangle 5"/>
+            <p:cNvSpPr/>
+            <p:nvPr/>
+          </p:nvSpPr>
+          <p:spPr>
+            <a:xfrm>
+              <a:off x="1538951" y="1258311"/>
+              <a:ext cx="130249" cy="3705497"/>
+            </a:xfrm>
+            <a:prstGeom prst="rect">
+              <a:avLst/>
+            </a:prstGeom>
+            <a:solidFill>
+              <a:srgbClr val="0070C0"/>
+            </a:solidFill>
+            <a:ln>
+              <a:solidFill>
+                <a:srgbClr val="0070C0"/>
+              </a:solidFill>
+            </a:ln>
+            <a:effectLst/>
+          </p:spPr>
+          <p:style>
+            <a:lnRef idx="1">
+              <a:schemeClr val="accent3"/>
+            </a:lnRef>
+            <a:fillRef idx="2">
+              <a:schemeClr val="accent3"/>
+            </a:fillRef>
+            <a:effectRef idx="1">
+              <a:schemeClr val="accent3"/>
+            </a:effectRef>
+            <a:fontRef idx="minor">
+              <a:schemeClr val="dk1"/>
+            </a:fontRef>
+          </p:style>
+          <p:txBody>
+            <a:bodyPr rtlCol="0" anchor="ctr"/>
+            <a:lstStyle/>
+            <a:p>
+              <a:pPr algn="ctr"/>
+              <a:endParaRPr lang="en-SG" sz="1400"/>
+            </a:p>
+          </p:txBody>
+        </p:sp>
+        <p:sp>
+          <p:nvSpPr>
+            <p:cNvPr id="16" name="Rectangle 62"/>
+            <p:cNvSpPr/>
+            <p:nvPr/>
+          </p:nvSpPr>
+          <p:spPr>
+            <a:xfrm>
+              <a:off x="3437187" y="423022"/>
+              <a:ext cx="1455625" cy="467684"/>
+            </a:xfrm>
+            <a:prstGeom prst="rect">
+              <a:avLst/>
+            </a:prstGeom>
+            <a:solidFill>
+              <a:srgbClr val="0070C0"/>
+            </a:solidFill>
+            <a:ln w="19050">
+              <a:solidFill>
+                <a:srgbClr val="0070C0"/>
+              </a:solidFill>
+            </a:ln>
+            <a:effectLst/>
+          </p:spPr>
+          <p:style>
+            <a:lnRef idx="1">
+              <a:schemeClr val="accent2"/>
+            </a:lnRef>
+            <a:fillRef idx="2">
+              <a:schemeClr val="accent2"/>
+            </a:fillRef>
+            <a:effectRef idx="1">
+              <a:schemeClr val="accent2"/>
+            </a:effectRef>
+            <a:fontRef idx="minor">
+              <a:schemeClr val="dk1"/>
+            </a:fontRef>
+          </p:style>
+          <p:txBody>
+            <a:bodyPr rtlCol="0" anchor="ctr"/>
+            <a:lstStyle/>
+            <a:p>
+              <a:pPr algn="ctr"/>
+              <a:r>
+                <a:rPr lang="en-US" sz="1600" dirty="0">
+                  <a:solidFill>
+                    <a:schemeClr val="bg1"/>
+                  </a:solidFill>
+                </a:rPr>
+                <a:t>:PocketProjectParser</a:t>
+              </a:r>
+              <a:endParaRPr lang="en-SG" sz="1600" dirty="0">
+                <a:solidFill>
+                  <a:schemeClr val="bg1"/>
+                </a:solidFill>
+              </a:endParaRPr>
+            </a:p>
+          </p:txBody>
+        </p:sp>
+        <p:cxnSp>
+          <p:nvCxnSpPr>
+            <p:cNvPr id="17" name="Straight Connector 16"/>
+            <p:cNvCxnSpPr>
+              <a:cxnSpLocks/>
+            </p:cNvCxnSpPr>
+            <p:nvPr/>
+          </p:nvCxnSpPr>
+          <p:spPr>
+            <a:xfrm>
+              <a:off x="4050587" y="907617"/>
+              <a:ext cx="0" cy="1482984"/>
+            </a:xfrm>
+            <a:prstGeom prst="line">
+              <a:avLst/>
+            </a:prstGeom>
+            <a:ln w="19050">
+              <a:solidFill>
+                <a:srgbClr val="0070C0"/>
+              </a:solidFill>
+              <a:prstDash val="sysDash"/>
+            </a:ln>
+            <a:effectLst/>
+          </p:spPr>
+          <p:style>
+            <a:lnRef idx="1">
+              <a:schemeClr val="accent1"/>
+            </a:lnRef>
+            <a:fillRef idx="2">
+              <a:schemeClr val="accent1"/>
+            </a:fillRef>
+            <a:effectRef idx="1">
+              <a:schemeClr val="accent1"/>
+            </a:effectRef>
+            <a:fontRef idx="minor">
+              <a:schemeClr val="dk1"/>
+            </a:fontRef>
+          </p:style>
+        </p:cxnSp>
+        <p:sp>
+          <p:nvSpPr>
+            <p:cNvPr id="18" name="Rectangle 17"/>
+            <p:cNvSpPr/>
+            <p:nvPr/>
+          </p:nvSpPr>
+          <p:spPr>
+            <a:xfrm>
+              <a:off x="3978580" y="1365809"/>
+              <a:ext cx="159802" cy="1709115"/>
+            </a:xfrm>
+            <a:prstGeom prst="rect">
+              <a:avLst/>
+            </a:prstGeom>
+            <a:solidFill>
+              <a:srgbClr val="0070C0"/>
+            </a:solidFill>
+            <a:ln>
+              <a:solidFill>
+                <a:srgbClr val="0070C0"/>
+              </a:solidFill>
+            </a:ln>
+            <a:effectLst/>
+          </p:spPr>
+          <p:style>
+            <a:lnRef idx="1">
+              <a:schemeClr val="accent3"/>
+            </a:lnRef>
+            <a:fillRef idx="2">
+              <a:schemeClr val="accent3"/>
+            </a:fillRef>
+            <a:effectRef idx="1">
+              <a:schemeClr val="accent3"/>
+            </a:effectRef>
+            <a:fontRef idx="minor">
+              <a:schemeClr val="dk1"/>
+            </a:fontRef>
+          </p:style>
+          <p:txBody>
+            <a:bodyPr rtlCol="0" anchor="ctr"/>
+            <a:lstStyle/>
+            <a:p>
+              <a:pPr algn="ctr"/>
+              <a:endParaRPr lang="en-SG" sz="1400">
+                <a:solidFill>
+                  <a:schemeClr val="dk1"/>
+                </a:solidFill>
+              </a:endParaRPr>
+            </a:p>
+          </p:txBody>
+        </p:sp>
+        <p:cxnSp>
+          <p:nvCxnSpPr>
+            <p:cNvPr id="20" name="Straight Connector 19"/>
+            <p:cNvCxnSpPr>
+              <a:cxnSpLocks/>
+            </p:cNvCxnSpPr>
+            <p:nvPr/>
+          </p:nvCxnSpPr>
+          <p:spPr>
+            <a:xfrm>
+              <a:off x="7989211" y="2517898"/>
+              <a:ext cx="17094" cy="2445910"/>
+            </a:xfrm>
+            <a:prstGeom prst="line">
+              <a:avLst/>
+            </a:prstGeom>
+            <a:ln w="19050">
+              <a:solidFill>
+                <a:srgbClr val="0070C0"/>
+              </a:solidFill>
+              <a:prstDash val="sysDash"/>
+            </a:ln>
+            <a:effectLst/>
+          </p:spPr>
+          <p:style>
+            <a:lnRef idx="1">
+              <a:schemeClr val="accent1"/>
+            </a:lnRef>
+            <a:fillRef idx="2">
+              <a:schemeClr val="accent1"/>
+            </a:fillRef>
+            <a:effectRef idx="1">
+              <a:schemeClr val="accent1"/>
+            </a:effectRef>
+            <a:fontRef idx="minor">
+              <a:schemeClr val="dk1"/>
+            </a:fontRef>
+          </p:style>
+        </p:cxnSp>
+        <p:sp>
+          <p:nvSpPr>
+            <p:cNvPr id="21" name="Rectangle 20"/>
+            <p:cNvSpPr/>
+            <p:nvPr/>
+          </p:nvSpPr>
+          <p:spPr>
+            <a:xfrm>
+              <a:off x="5951773" y="1590623"/>
+              <a:ext cx="152400" cy="276003"/>
+            </a:xfrm>
+            <a:prstGeom prst="rect">
+              <a:avLst/>
+            </a:prstGeom>
+            <a:solidFill>
+              <a:srgbClr val="0070C0"/>
+            </a:solidFill>
+            <a:ln>
+              <a:solidFill>
+                <a:srgbClr val="0070C0"/>
+              </a:solidFill>
+            </a:ln>
+            <a:effectLst/>
+          </p:spPr>
+          <p:style>
+            <a:lnRef idx="1">
+              <a:schemeClr val="accent3"/>
+            </a:lnRef>
+            <a:fillRef idx="2">
+              <a:schemeClr val="accent3"/>
+            </a:fillRef>
+            <a:effectRef idx="1">
+              <a:schemeClr val="accent3"/>
+            </a:effectRef>
+            <a:fontRef idx="minor">
+              <a:schemeClr val="dk1"/>
+            </a:fontRef>
+          </p:style>
+          <p:txBody>
+            <a:bodyPr rtlCol="0" anchor="ctr"/>
+            <a:lstStyle/>
+            <a:p>
+              <a:pPr algn="ctr"/>
+              <a:endParaRPr lang="en-SG" sz="1400"/>
+            </a:p>
+          </p:txBody>
+        </p:sp>
+        <p:cxnSp>
+          <p:nvCxnSpPr>
+            <p:cNvPr id="23" name="Straight Arrow Connector 22"/>
+            <p:cNvCxnSpPr/>
+            <p:nvPr/>
+          </p:nvCxnSpPr>
+          <p:spPr>
+            <a:xfrm>
+              <a:off x="419100" y="1261999"/>
+              <a:ext cx="1119851" cy="0"/>
+            </a:xfrm>
+            <a:prstGeom prst="straightConnector1">
+              <a:avLst/>
+            </a:prstGeom>
+            <a:ln w="19050">
+              <a:solidFill>
+                <a:srgbClr val="00B050"/>
+              </a:solidFill>
+              <a:tailEnd type="arrow"/>
+            </a:ln>
+          </p:spPr>
+          <p:style>
+            <a:lnRef idx="1">
+              <a:schemeClr val="accent1"/>
+            </a:lnRef>
+            <a:fillRef idx="0">
+              <a:schemeClr val="accent1"/>
+            </a:fillRef>
+            <a:effectRef idx="0">
+              <a:schemeClr val="accent1"/>
+            </a:effectRef>
+            <a:fontRef idx="minor">
+              <a:schemeClr val="tx1"/>
+            </a:fontRef>
+          </p:style>
+        </p:cxnSp>
+        <p:sp>
+          <p:nvSpPr>
+            <p:cNvPr id="26" name="TextBox 25"/>
+            <p:cNvSpPr txBox="1"/>
+            <p:nvPr/>
+          </p:nvSpPr>
+          <p:spPr>
+            <a:xfrm>
+              <a:off x="38100" y="990600"/>
+              <a:ext cx="1424846" cy="215444"/>
+            </a:xfrm>
+            <a:prstGeom prst="rect">
+              <a:avLst/>
+            </a:prstGeom>
+            <a:noFill/>
+          </p:spPr>
+          <p:txBody>
+            <a:bodyPr wrap="square" lIns="0" tIns="0" rIns="0" bIns="0" rtlCol="0">
+              <a:spAutoFit/>
+            </a:bodyPr>
+            <a:lstStyle/>
+            <a:p>
+              <a:pPr algn="r"/>
+              <a:r>
+                <a:rPr lang="en-US" sz="1400" dirty="0">
+                  <a:solidFill>
+                    <a:srgbClr val="0070C0"/>
+                  </a:solidFill>
+                </a:rPr>
+                <a:t>execute(“undo”)</a:t>
+              </a:r>
+            </a:p>
+          </p:txBody>
+        </p:sp>
+        <p:cxnSp>
+          <p:nvCxnSpPr>
+            <p:cNvPr id="28" name="Straight Arrow Connector 27"/>
+            <p:cNvCxnSpPr>
+              <a:cxnSpLocks/>
+            </p:cNvCxnSpPr>
+            <p:nvPr/>
+          </p:nvCxnSpPr>
+          <p:spPr>
+            <a:xfrm flipV="1">
+              <a:off x="4135972" y="1505149"/>
+              <a:ext cx="875042" cy="7193"/>
+            </a:xfrm>
+            <a:prstGeom prst="straightConnector1">
+              <a:avLst/>
+            </a:prstGeom>
+            <a:ln w="19050">
+              <a:solidFill>
+                <a:srgbClr val="0070C0"/>
+              </a:solidFill>
+              <a:tailEnd type="arrow"/>
+            </a:ln>
+          </p:spPr>
+          <p:style>
+            <a:lnRef idx="1">
+              <a:schemeClr val="accent1"/>
+            </a:lnRef>
+            <a:fillRef idx="0">
+              <a:schemeClr val="accent1"/>
+            </a:fillRef>
+            <a:effectRef idx="0">
+              <a:schemeClr val="accent1"/>
+            </a:effectRef>
+            <a:fontRef idx="minor">
+              <a:schemeClr val="tx1"/>
+            </a:fontRef>
+          </p:style>
+        </p:cxnSp>
+        <p:sp>
+          <p:nvSpPr>
+            <p:cNvPr id="29" name="TextBox 28"/>
+            <p:cNvSpPr txBox="1"/>
+            <p:nvPr/>
+          </p:nvSpPr>
+          <p:spPr>
+            <a:xfrm>
+              <a:off x="2159901" y="3259493"/>
+              <a:ext cx="855809" cy="215444"/>
+            </a:xfrm>
+            <a:prstGeom prst="rect">
+              <a:avLst/>
+            </a:prstGeom>
+            <a:noFill/>
+          </p:spPr>
+          <p:txBody>
+            <a:bodyPr wrap="square" lIns="0" tIns="0" rIns="0" bIns="0" rtlCol="0">
+              <a:spAutoFit/>
+            </a:bodyPr>
+            <a:lstStyle>
+              <a:defPPr>
+                <a:defRPr lang="en-US"/>
+              </a:defPPr>
+              <a:lvl1pPr algn="r">
+                <a:defRPr sz="1400">
+                  <a:solidFill>
+                    <a:srgbClr val="0070C0"/>
+                  </a:solidFill>
+                </a:defRPr>
+              </a:lvl1pPr>
+            </a:lstStyle>
+            <a:p>
+              <a:r>
+                <a:rPr lang="en-US" dirty="0"/>
+                <a:t>execute()</a:t>
+              </a:r>
+            </a:p>
+          </p:txBody>
+        </p:sp>
+        <p:cxnSp>
+          <p:nvCxnSpPr>
+            <p:cNvPr id="34" name="Straight Arrow Connector 33"/>
+            <p:cNvCxnSpPr>
+              <a:cxnSpLocks/>
+            </p:cNvCxnSpPr>
+            <p:nvPr/>
+          </p:nvCxnSpPr>
+          <p:spPr>
+            <a:xfrm flipH="1" flipV="1">
+              <a:off x="6093382" y="2346273"/>
+              <a:ext cx="1190526" cy="3242"/>
+            </a:xfrm>
+            <a:prstGeom prst="straightConnector1">
+              <a:avLst/>
+            </a:prstGeom>
+            <a:ln w="19050">
+              <a:solidFill>
+                <a:srgbClr val="0070C0"/>
+              </a:solidFill>
+              <a:prstDash val="sysDash"/>
+              <a:headEnd type="arrow" w="med" len="med"/>
+              <a:tailEnd type="none" w="med" len="med"/>
+            </a:ln>
+          </p:spPr>
+          <p:style>
+            <a:lnRef idx="1">
+              <a:schemeClr val="accent1"/>
+            </a:lnRef>
+            <a:fillRef idx="0">
+              <a:schemeClr val="accent1"/>
+            </a:fillRef>
+            <a:effectRef idx="0">
+              <a:schemeClr val="accent1"/>
+            </a:effectRef>
+            <a:fontRef idx="minor">
+              <a:schemeClr val="tx1"/>
+            </a:fontRef>
+          </p:style>
+        </p:cxnSp>
+        <p:cxnSp>
+          <p:nvCxnSpPr>
+            <p:cNvPr id="35" name="Straight Arrow Connector 34"/>
+            <p:cNvCxnSpPr>
+              <a:cxnSpLocks/>
+            </p:cNvCxnSpPr>
+            <p:nvPr/>
+          </p:nvCxnSpPr>
+          <p:spPr>
+            <a:xfrm>
+              <a:off x="1691351" y="3046587"/>
+              <a:ext cx="2348067" cy="0"/>
+            </a:xfrm>
+            <a:prstGeom prst="straightConnector1">
+              <a:avLst/>
+            </a:prstGeom>
+            <a:ln w="19050">
+              <a:solidFill>
+                <a:srgbClr val="0070C0"/>
+              </a:solidFill>
+              <a:prstDash val="sysDash"/>
+              <a:headEnd type="arrow" w="med" len="med"/>
+              <a:tailEnd type="none" w="med" len="med"/>
+            </a:ln>
+          </p:spPr>
+          <p:style>
+            <a:lnRef idx="1">
+              <a:schemeClr val="accent1"/>
+            </a:lnRef>
+            <a:fillRef idx="0">
+              <a:schemeClr val="accent1"/>
+            </a:fillRef>
+            <a:effectRef idx="0">
+              <a:schemeClr val="accent1"/>
+            </a:effectRef>
+            <a:fontRef idx="minor">
+              <a:schemeClr val="tx1"/>
+            </a:fontRef>
+          </p:style>
+        </p:cxnSp>
+        <p:cxnSp>
+          <p:nvCxnSpPr>
+            <p:cNvPr id="37" name="Straight Arrow Connector 36"/>
+            <p:cNvCxnSpPr/>
+            <p:nvPr/>
+          </p:nvCxnSpPr>
+          <p:spPr>
+            <a:xfrm>
+              <a:off x="342900" y="4963808"/>
+              <a:ext cx="1196051" cy="0"/>
+            </a:xfrm>
+            <a:prstGeom prst="straightConnector1">
+              <a:avLst/>
+            </a:prstGeom>
+            <a:ln w="19050">
+              <a:solidFill>
+                <a:schemeClr val="accent1"/>
+              </a:solidFill>
+              <a:prstDash val="sysDash"/>
+              <a:headEnd type="arrow" w="med" len="med"/>
+              <a:tailEnd type="none" w="med" len="med"/>
+            </a:ln>
+          </p:spPr>
+          <p:style>
+            <a:lnRef idx="1">
+              <a:schemeClr val="accent1"/>
+            </a:lnRef>
+            <a:fillRef idx="0">
+              <a:schemeClr val="accent1"/>
+            </a:fillRef>
+            <a:effectRef idx="0">
+              <a:schemeClr val="accent1"/>
+            </a:effectRef>
+            <a:fontRef idx="minor">
+              <a:schemeClr val="tx1"/>
+            </a:fontRef>
+          </p:style>
+        </p:cxnSp>
+        <p:sp>
+          <p:nvSpPr>
+            <p:cNvPr id="65" name="Rectangle 64"/>
+            <p:cNvSpPr/>
+            <p:nvPr/>
+          </p:nvSpPr>
+          <p:spPr>
+            <a:xfrm>
+              <a:off x="7908479" y="3442521"/>
+              <a:ext cx="161322" cy="1307285"/>
+            </a:xfrm>
+            <a:prstGeom prst="rect">
+              <a:avLst/>
+            </a:prstGeom>
+            <a:solidFill>
+              <a:srgbClr val="0070C0"/>
+            </a:solidFill>
+            <a:ln>
+              <a:solidFill>
+                <a:srgbClr val="0070C0"/>
+              </a:solidFill>
+            </a:ln>
+            <a:effectLst/>
+          </p:spPr>
+          <p:style>
+            <a:lnRef idx="1">
+              <a:schemeClr val="accent3"/>
+            </a:lnRef>
+            <a:fillRef idx="2">
+              <a:schemeClr val="accent3"/>
+            </a:fillRef>
+            <a:effectRef idx="1">
+              <a:schemeClr val="accent3"/>
+            </a:effectRef>
+            <a:fontRef idx="minor">
+              <a:schemeClr val="dk1"/>
+            </a:fontRef>
+          </p:style>
+          <p:txBody>
+            <a:bodyPr rtlCol="0" anchor="ctr"/>
+            <a:lstStyle/>
+            <a:p>
+              <a:pPr algn="ctr"/>
+              <a:endParaRPr lang="en-SG" sz="1400"/>
+            </a:p>
+          </p:txBody>
+        </p:sp>
+        <p:sp>
+          <p:nvSpPr>
+            <p:cNvPr id="79" name="TextBox 78"/>
+            <p:cNvSpPr txBox="1"/>
+            <p:nvPr/>
+          </p:nvSpPr>
+          <p:spPr>
+            <a:xfrm>
+              <a:off x="8009713" y="3376344"/>
+              <a:ext cx="2181777" cy="369332"/>
+            </a:xfrm>
+            <a:prstGeom prst="rect">
+              <a:avLst/>
+            </a:prstGeom>
+            <a:noFill/>
+          </p:spPr>
+          <p:txBody>
+            <a:bodyPr wrap="square" lIns="0" tIns="0" rIns="0" bIns="0" rtlCol="0">
+              <a:spAutoFit/>
+            </a:bodyPr>
+            <a:lstStyle>
+              <a:defPPr>
+                <a:defRPr lang="en-US"/>
+              </a:defPPr>
+              <a:lvl1pPr algn="r">
+                <a:defRPr sz="1400">
+                  <a:solidFill>
+                    <a:srgbClr val="0070C0"/>
+                  </a:solidFill>
+                </a:defRPr>
+              </a:lvl1pPr>
+            </a:lstStyle>
+            <a:p>
+              <a:pPr algn="ctr"/>
+              <a:r>
+                <a:rPr lang="en-US" sz="1200" dirty="0"/>
+                <a:t>updateFilteredEmployeeList(</a:t>
+              </a:r>
+            </a:p>
+            <a:p>
+              <a:pPr algn="ctr"/>
+              <a:r>
+                <a:rPr lang="en-US" sz="1200" dirty="0"/>
+                <a:t>predicate)</a:t>
+              </a:r>
+            </a:p>
+          </p:txBody>
+        </p:sp>
+        <p:sp>
+          <p:nvSpPr>
+            <p:cNvPr id="80" name="TextBox 79"/>
+            <p:cNvSpPr txBox="1"/>
+            <p:nvPr/>
+          </p:nvSpPr>
+          <p:spPr>
+            <a:xfrm>
+              <a:off x="1728917" y="992333"/>
+              <a:ext cx="2326867" cy="430887"/>
+            </a:xfrm>
+            <a:prstGeom prst="rect">
+              <a:avLst/>
+            </a:prstGeom>
+            <a:noFill/>
+          </p:spPr>
+          <p:txBody>
+            <a:bodyPr wrap="square" lIns="0" tIns="0" rIns="0" bIns="0" rtlCol="0">
+              <a:spAutoFit/>
+            </a:bodyPr>
+            <a:lstStyle>
+              <a:defPPr>
+                <a:defRPr lang="en-US"/>
+              </a:defPPr>
+              <a:lvl1pPr algn="r">
+                <a:defRPr sz="1400">
+                  <a:solidFill>
+                    <a:srgbClr val="0070C0"/>
+                  </a:solidFill>
+                </a:defRPr>
+              </a:lvl1pPr>
+            </a:lstStyle>
+            <a:p>
+              <a:pPr algn="ctr"/>
+              <a:r>
+                <a:rPr lang="en-US" dirty="0"/>
+                <a:t>parseCommand(“find employee john”)</a:t>
+              </a:r>
+            </a:p>
+          </p:txBody>
+        </p:sp>
+        <p:sp>
+          <p:nvSpPr>
+            <p:cNvPr id="82" name="TextBox 81"/>
+            <p:cNvSpPr txBox="1"/>
+            <p:nvPr/>
+          </p:nvSpPr>
+          <p:spPr>
+            <a:xfrm>
+              <a:off x="3994190" y="4503175"/>
+              <a:ext cx="621216" cy="215444"/>
+            </a:xfrm>
+            <a:prstGeom prst="rect">
+              <a:avLst/>
+            </a:prstGeom>
+            <a:noFill/>
+          </p:spPr>
+          <p:txBody>
+            <a:bodyPr wrap="square" lIns="0" tIns="0" rIns="0" bIns="0" rtlCol="0">
+              <a:spAutoFit/>
+            </a:bodyPr>
+            <a:lstStyle>
+              <a:defPPr>
+                <a:defRPr lang="en-US"/>
+              </a:defPPr>
+              <a:lvl1pPr algn="r">
+                <a:defRPr sz="1400">
+                  <a:solidFill>
+                    <a:srgbClr val="0070C0"/>
+                  </a:solidFill>
+                </a:defRPr>
+              </a:lvl1pPr>
+            </a:lstStyle>
+            <a:p>
+              <a:r>
+                <a:rPr lang="en-US" dirty="0"/>
+                <a:t>result</a:t>
+              </a:r>
+            </a:p>
+          </p:txBody>
+        </p:sp>
+        <p:sp>
+          <p:nvSpPr>
+            <p:cNvPr id="83" name="TextBox 82"/>
+            <p:cNvSpPr txBox="1"/>
+            <p:nvPr/>
+          </p:nvSpPr>
+          <p:spPr>
+            <a:xfrm>
+              <a:off x="634103" y="4692408"/>
+              <a:ext cx="762000" cy="215444"/>
+            </a:xfrm>
+            <a:prstGeom prst="rect">
+              <a:avLst/>
+            </a:prstGeom>
+            <a:noFill/>
+          </p:spPr>
+          <p:txBody>
+            <a:bodyPr wrap="square" lIns="0" tIns="0" rIns="0" bIns="0" rtlCol="0">
+              <a:spAutoFit/>
+            </a:bodyPr>
+            <a:lstStyle>
+              <a:defPPr>
+                <a:defRPr lang="en-US"/>
+              </a:defPPr>
+              <a:lvl1pPr algn="r">
+                <a:defRPr sz="1400">
+                  <a:solidFill>
+                    <a:srgbClr val="0070C0"/>
+                  </a:solidFill>
+                </a:defRPr>
+              </a:lvl1pPr>
+            </a:lstStyle>
+            <a:p>
+              <a:r>
+                <a:rPr lang="en-US" dirty="0"/>
+                <a:t>result</a:t>
+              </a:r>
+            </a:p>
+          </p:txBody>
+        </p:sp>
+        <p:sp>
+          <p:nvSpPr>
+            <p:cNvPr id="86" name="Rectangle 85"/>
+            <p:cNvSpPr/>
+            <p:nvPr/>
+          </p:nvSpPr>
+          <p:spPr>
+            <a:xfrm>
+              <a:off x="11982386" y="3865822"/>
+              <a:ext cx="168896" cy="325178"/>
+            </a:xfrm>
+            <a:prstGeom prst="rect">
+              <a:avLst/>
+            </a:prstGeom>
+            <a:solidFill>
+              <a:srgbClr val="7030A0"/>
+            </a:solidFill>
+            <a:ln>
               <a:solidFill>
                 <a:srgbClr val="7030A0"/>
               </a:solidFill>
-            </a:endParaRPr>
-          </a:p>
-        </p:txBody>
-      </p:sp>
-      <p:sp>
-        <p:nvSpPr>
-          <p:cNvPr id="81" name="Rectangle 65"/>
-          <p:cNvSpPr/>
-          <p:nvPr/>
-        </p:nvSpPr>
-        <p:spPr>
-          <a:xfrm>
-            <a:off x="467812" y="163017"/>
-            <a:ext cx="8295189" cy="6271952"/>
-          </a:xfrm>
-          <a:prstGeom prst="roundRect">
-            <a:avLst>
-              <a:gd name="adj" fmla="val 3484"/>
-            </a:avLst>
-          </a:prstGeom>
-          <a:solidFill>
-            <a:schemeClr val="accent1">
-              <a:lumMod val="20000"/>
-              <a:lumOff val="80000"/>
-            </a:schemeClr>
-          </a:solidFill>
-          <a:ln w="19050">
+            </a:ln>
+            <a:effectLst/>
+          </p:spPr>
+          <p:style>
+            <a:lnRef idx="1">
+              <a:schemeClr val="accent3"/>
+            </a:lnRef>
+            <a:fillRef idx="2">
+              <a:schemeClr val="accent3"/>
+            </a:fillRef>
+            <a:effectRef idx="1">
+              <a:schemeClr val="accent3"/>
+            </a:effectRef>
+            <a:fontRef idx="minor">
+              <a:schemeClr val="dk1"/>
+            </a:fontRef>
+          </p:style>
+          <p:txBody>
+            <a:bodyPr rtlCol="0" anchor="ctr"/>
+            <a:lstStyle/>
+            <a:p>
+              <a:pPr algn="ctr"/>
+              <a:endParaRPr lang="en-SG" sz="1400"/>
+            </a:p>
+          </p:txBody>
+        </p:sp>
+        <p:sp>
+          <p:nvSpPr>
+            <p:cNvPr id="93" name="TextBox 92"/>
+            <p:cNvSpPr txBox="1"/>
+            <p:nvPr/>
+          </p:nvSpPr>
+          <p:spPr>
+            <a:xfrm>
+              <a:off x="2226618" y="2804887"/>
+              <a:ext cx="995847" cy="215444"/>
+            </a:xfrm>
+            <a:prstGeom prst="rect">
+              <a:avLst/>
+            </a:prstGeom>
             <a:noFill/>
-          </a:ln>
-          <a:effectLst/>
-        </p:spPr>
-        <p:style>
-          <a:lnRef idx="1">
-            <a:schemeClr val="accent2"/>
-          </a:lnRef>
-          <a:fillRef idx="2">
-            <a:schemeClr val="accent2"/>
-          </a:fillRef>
-          <a:effectRef idx="1">
-            <a:schemeClr val="accent2"/>
-          </a:effectRef>
-          <a:fontRef idx="minor">
-            <a:schemeClr val="dk1"/>
-          </a:fontRef>
-        </p:style>
-        <p:txBody>
-          <a:bodyPr rtlCol="0" anchor="t"/>
-          <a:lstStyle/>
-          <a:p>
-            <a:r>
-              <a:rPr lang="en-US" sz="1200" b="1" dirty="0">
+          </p:spPr>
+          <p:txBody>
+            <a:bodyPr wrap="square" lIns="0" tIns="0" rIns="0" bIns="0" rtlCol="0">
+              <a:spAutoFit/>
+            </a:bodyPr>
+            <a:lstStyle>
+              <a:defPPr>
+                <a:defRPr lang="en-US"/>
+              </a:defPPr>
+              <a:lvl1pPr algn="r">
+                <a:defRPr sz="1400">
+                  <a:solidFill>
+                    <a:srgbClr val="0070C0"/>
+                  </a:solidFill>
+                </a:defRPr>
+              </a:lvl1pPr>
+            </a:lstStyle>
+            <a:p>
+              <a:r>
+                <a:rPr lang="en-US" dirty="0"/>
+                <a:t>command</a:t>
+              </a:r>
+            </a:p>
+          </p:txBody>
+        </p:sp>
+        <p:sp>
+          <p:nvSpPr>
+            <p:cNvPr id="40" name="Rectangle 62"/>
+            <p:cNvSpPr/>
+            <p:nvPr/>
+          </p:nvSpPr>
+          <p:spPr>
+            <a:xfrm>
+              <a:off x="9770672" y="3020331"/>
+              <a:ext cx="841636" cy="300180"/>
+            </a:xfrm>
+            <a:prstGeom prst="rect">
+              <a:avLst/>
+            </a:prstGeom>
+            <a:solidFill>
+              <a:srgbClr val="7030A0"/>
+            </a:solidFill>
+            <a:ln w="19050">
+              <a:solidFill>
+                <a:srgbClr val="7030A0"/>
+              </a:solidFill>
+            </a:ln>
+            <a:effectLst/>
+          </p:spPr>
+          <p:style>
+            <a:lnRef idx="1">
+              <a:schemeClr val="accent2"/>
+            </a:lnRef>
+            <a:fillRef idx="2">
+              <a:schemeClr val="accent2"/>
+            </a:fillRef>
+            <a:effectRef idx="1">
+              <a:schemeClr val="accent2"/>
+            </a:effectRef>
+            <a:fontRef idx="minor">
+              <a:schemeClr val="dk1"/>
+            </a:fontRef>
+          </p:style>
+          <p:txBody>
+            <a:bodyPr rtlCol="0" anchor="ctr"/>
+            <a:lstStyle/>
+            <a:p>
+              <a:pPr algn="ctr"/>
+              <a:r>
+                <a:rPr lang="en-US" sz="1600" dirty="0">
+                  <a:solidFill>
+                    <a:schemeClr val="bg1"/>
+                  </a:solidFill>
+                </a:rPr>
+                <a:t>: Model</a:t>
+              </a:r>
+              <a:endParaRPr lang="en-SG" sz="1600" dirty="0">
                 <a:solidFill>
-                  <a:srgbClr val="0070C0"/>
+                  <a:schemeClr val="bg1"/>
                 </a:solidFill>
-              </a:rPr>
-              <a:t>Logic</a:t>
-            </a:r>
-            <a:endParaRPr lang="en-SG" sz="1200" b="1" dirty="0">
+              </a:endParaRPr>
+            </a:p>
+          </p:txBody>
+        </p:sp>
+        <p:cxnSp>
+          <p:nvCxnSpPr>
+            <p:cNvPr id="46" name="Straight Connector 45"/>
+            <p:cNvCxnSpPr>
+              <a:cxnSpLocks/>
+            </p:cNvCxnSpPr>
+            <p:nvPr/>
+          </p:nvCxnSpPr>
+          <p:spPr>
+            <a:xfrm>
+              <a:off x="10237605" y="3228099"/>
+              <a:ext cx="17381" cy="2256564"/>
+            </a:xfrm>
+            <a:prstGeom prst="line">
+              <a:avLst/>
+            </a:prstGeom>
+            <a:ln w="19050">
+              <a:solidFill>
+                <a:srgbClr val="7030A0"/>
+              </a:solidFill>
+              <a:prstDash val="sysDash"/>
+            </a:ln>
+            <a:effectLst/>
+          </p:spPr>
+          <p:style>
+            <a:lnRef idx="1">
+              <a:schemeClr val="accent1"/>
+            </a:lnRef>
+            <a:fillRef idx="2">
+              <a:schemeClr val="accent1"/>
+            </a:fillRef>
+            <a:effectRef idx="1">
+              <a:schemeClr val="accent1"/>
+            </a:effectRef>
+            <a:fontRef idx="minor">
+              <a:schemeClr val="dk1"/>
+            </a:fontRef>
+          </p:style>
+        </p:cxnSp>
+        <p:sp>
+          <p:nvSpPr>
+            <p:cNvPr id="49" name="Rectangle 48"/>
+            <p:cNvSpPr/>
+            <p:nvPr/>
+          </p:nvSpPr>
+          <p:spPr>
+            <a:xfrm>
+              <a:off x="10134681" y="3532899"/>
+              <a:ext cx="168896" cy="775693"/>
+            </a:xfrm>
+            <a:prstGeom prst="rect">
+              <a:avLst/>
+            </a:prstGeom>
+            <a:solidFill>
+              <a:srgbClr val="7030A0"/>
+            </a:solidFill>
+            <a:ln>
+              <a:solidFill>
+                <a:srgbClr val="7030A0"/>
+              </a:solidFill>
+            </a:ln>
+            <a:effectLst/>
+          </p:spPr>
+          <p:style>
+            <a:lnRef idx="1">
+              <a:schemeClr val="accent3"/>
+            </a:lnRef>
+            <a:fillRef idx="2">
+              <a:schemeClr val="accent3"/>
+            </a:fillRef>
+            <a:effectRef idx="1">
+              <a:schemeClr val="accent3"/>
+            </a:effectRef>
+            <a:fontRef idx="minor">
+              <a:schemeClr val="dk1"/>
+            </a:fontRef>
+          </p:style>
+          <p:txBody>
+            <a:bodyPr rtlCol="0" anchor="ctr"/>
+            <a:lstStyle/>
+            <a:p>
+              <a:pPr algn="ctr"/>
+              <a:endParaRPr lang="en-SG" sz="1400"/>
+            </a:p>
+          </p:txBody>
+        </p:sp>
+        <p:cxnSp>
+          <p:nvCxnSpPr>
+            <p:cNvPr id="50" name="Straight Arrow Connector 49"/>
+            <p:cNvCxnSpPr>
+              <a:cxnSpLocks/>
+            </p:cNvCxnSpPr>
+            <p:nvPr/>
+          </p:nvCxnSpPr>
+          <p:spPr>
+            <a:xfrm>
+              <a:off x="8072528" y="3766920"/>
+              <a:ext cx="2003291" cy="0"/>
+            </a:xfrm>
+            <a:prstGeom prst="straightConnector1">
+              <a:avLst/>
+            </a:prstGeom>
+            <a:ln w="19050">
               <a:solidFill>
                 <a:srgbClr val="0070C0"/>
               </a:solidFill>
-            </a:endParaRPr>
-          </a:p>
-        </p:txBody>
-      </p:sp>
-      <p:sp>
-        <p:nvSpPr>
-          <p:cNvPr id="2" name="Rectangle 62"/>
-          <p:cNvSpPr/>
-          <p:nvPr/>
-        </p:nvSpPr>
-        <p:spPr>
-          <a:xfrm>
-            <a:off x="883145" y="543946"/>
-            <a:ext cx="1455629" cy="346760"/>
-          </a:xfrm>
-          <a:prstGeom prst="rect">
-            <a:avLst/>
-          </a:prstGeom>
-          <a:solidFill>
-            <a:srgbClr val="0070C0"/>
-          </a:solidFill>
-          <a:ln w="19050">
+              <a:tailEnd type="arrow"/>
+            </a:ln>
+          </p:spPr>
+          <p:style>
+            <a:lnRef idx="1">
+              <a:schemeClr val="accent1"/>
+            </a:lnRef>
+            <a:fillRef idx="0">
+              <a:schemeClr val="accent1"/>
+            </a:fillRef>
+            <a:effectRef idx="0">
+              <a:schemeClr val="accent1"/>
+            </a:effectRef>
+            <a:fontRef idx="minor">
+              <a:schemeClr val="tx1"/>
+            </a:fontRef>
+          </p:style>
+        </p:cxnSp>
+        <p:cxnSp>
+          <p:nvCxnSpPr>
+            <p:cNvPr id="66" name="Straight Arrow Connector 65">
+              <a:extLst>
+                <a:ext uri="{FF2B5EF4-FFF2-40B4-BE49-F238E27FC236}">
+                  <a16:creationId xmlns:a16="http://schemas.microsoft.com/office/drawing/2014/main" id="{39916E2E-195A-4DC8-B025-B05FA87E6796}"/>
+                </a:ext>
+              </a:extLst>
+            </p:cNvPr>
+            <p:cNvCxnSpPr>
+              <a:cxnSpLocks/>
+            </p:cNvCxnSpPr>
+            <p:nvPr/>
+          </p:nvCxnSpPr>
+          <p:spPr>
+            <a:xfrm>
+              <a:off x="1610959" y="3535368"/>
+              <a:ext cx="6274510" cy="0"/>
+            </a:xfrm>
+            <a:prstGeom prst="straightConnector1">
+              <a:avLst/>
+            </a:prstGeom>
+            <a:ln w="19050">
+              <a:solidFill>
+                <a:srgbClr val="0070C0"/>
+              </a:solidFill>
+              <a:tailEnd type="arrow"/>
+            </a:ln>
+          </p:spPr>
+          <p:style>
+            <a:lnRef idx="1">
+              <a:schemeClr val="accent1"/>
+            </a:lnRef>
+            <a:fillRef idx="0">
+              <a:schemeClr val="accent1"/>
+            </a:fillRef>
+            <a:effectRef idx="0">
+              <a:schemeClr val="accent1"/>
+            </a:effectRef>
+            <a:fontRef idx="minor">
+              <a:schemeClr val="tx1"/>
+            </a:fontRef>
+          </p:style>
+        </p:cxnSp>
+        <p:cxnSp>
+          <p:nvCxnSpPr>
+            <p:cNvPr id="67" name="Straight Arrow Connector 66">
+              <a:extLst>
+                <a:ext uri="{FF2B5EF4-FFF2-40B4-BE49-F238E27FC236}">
+                  <a16:creationId xmlns:a16="http://schemas.microsoft.com/office/drawing/2014/main" id="{D881596E-177C-4FDC-8E60-CAB90B3D5FAB}"/>
+                </a:ext>
+              </a:extLst>
+            </p:cNvPr>
+            <p:cNvCxnSpPr>
+              <a:cxnSpLocks/>
+            </p:cNvCxnSpPr>
+            <p:nvPr/>
+          </p:nvCxnSpPr>
+          <p:spPr>
+            <a:xfrm>
+              <a:off x="1720913" y="1431676"/>
+              <a:ext cx="2256705" cy="1"/>
+            </a:xfrm>
+            <a:prstGeom prst="straightConnector1">
+              <a:avLst/>
+            </a:prstGeom>
+            <a:ln w="19050">
+              <a:solidFill>
+                <a:srgbClr val="0070C0"/>
+              </a:solidFill>
+              <a:tailEnd type="arrow"/>
+            </a:ln>
+          </p:spPr>
+          <p:style>
+            <a:lnRef idx="1">
+              <a:schemeClr val="accent1"/>
+            </a:lnRef>
+            <a:fillRef idx="0">
+              <a:schemeClr val="accent1"/>
+            </a:fillRef>
+            <a:effectRef idx="0">
+              <a:schemeClr val="accent1"/>
+            </a:effectRef>
+            <a:fontRef idx="minor">
+              <a:schemeClr val="tx1"/>
+            </a:fontRef>
+          </p:style>
+        </p:cxnSp>
+        <p:cxnSp>
+          <p:nvCxnSpPr>
+            <p:cNvPr id="69" name="Straight Arrow Connector 68">
+              <a:extLst>
+                <a:ext uri="{FF2B5EF4-FFF2-40B4-BE49-F238E27FC236}">
+                  <a16:creationId xmlns:a16="http://schemas.microsoft.com/office/drawing/2014/main" id="{7C9F21BC-13A9-471F-825A-2621FD36355F}"/>
+                </a:ext>
+              </a:extLst>
+            </p:cNvPr>
+            <p:cNvCxnSpPr>
+              <a:cxnSpLocks/>
+            </p:cNvCxnSpPr>
+            <p:nvPr/>
+          </p:nvCxnSpPr>
+          <p:spPr>
+            <a:xfrm>
+              <a:off x="1728917" y="4749806"/>
+              <a:ext cx="6179562" cy="0"/>
+            </a:xfrm>
+            <a:prstGeom prst="straightConnector1">
+              <a:avLst/>
+            </a:prstGeom>
+            <a:ln w="19050">
+              <a:solidFill>
+                <a:srgbClr val="0070C0"/>
+              </a:solidFill>
+              <a:prstDash val="sysDash"/>
+              <a:headEnd type="arrow" w="med" len="med"/>
+              <a:tailEnd type="none" w="med" len="med"/>
+            </a:ln>
+          </p:spPr>
+          <p:style>
+            <a:lnRef idx="1">
+              <a:schemeClr val="accent1"/>
+            </a:lnRef>
+            <a:fillRef idx="0">
+              <a:schemeClr val="accent1"/>
+            </a:fillRef>
+            <a:effectRef idx="0">
+              <a:schemeClr val="accent1"/>
+            </a:effectRef>
+            <a:fontRef idx="minor">
+              <a:schemeClr val="tx1"/>
+            </a:fontRef>
+          </p:style>
+        </p:cxnSp>
+        <p:sp>
+          <p:nvSpPr>
+            <p:cNvPr id="88" name="TextBox 87">
+              <a:extLst>
+                <a:ext uri="{FF2B5EF4-FFF2-40B4-BE49-F238E27FC236}">
+                  <a16:creationId xmlns:a16="http://schemas.microsoft.com/office/drawing/2014/main" id="{B85C6184-7378-4E89-A338-72B1E5056F4F}"/>
+                </a:ext>
+              </a:extLst>
+            </p:cNvPr>
+            <p:cNvSpPr txBox="1"/>
+            <p:nvPr/>
+          </p:nvSpPr>
+          <p:spPr>
+            <a:xfrm>
+              <a:off x="9774683" y="3655829"/>
+              <a:ext cx="2120786" cy="184666"/>
+            </a:xfrm>
+            <a:prstGeom prst="rect">
+              <a:avLst/>
+            </a:prstGeom>
+            <a:noFill/>
+          </p:spPr>
+          <p:txBody>
+            <a:bodyPr wrap="square" lIns="0" tIns="0" rIns="0" bIns="0" rtlCol="0">
+              <a:spAutoFit/>
+            </a:bodyPr>
+            <a:lstStyle>
+              <a:defPPr>
+                <a:defRPr lang="en-US"/>
+              </a:defPPr>
+              <a:lvl1pPr algn="r">
+                <a:defRPr sz="1400">
+                  <a:solidFill>
+                    <a:srgbClr val="0070C0"/>
+                  </a:solidFill>
+                </a:defRPr>
+              </a:lvl1pPr>
+            </a:lstStyle>
+            <a:p>
+              <a:r>
+                <a:rPr lang="en-US" sz="1200" dirty="0">
+                  <a:solidFill>
+                    <a:srgbClr val="7030A0"/>
+                  </a:solidFill>
+                </a:rPr>
+                <a:t>setPredicate(predicate)</a:t>
+              </a:r>
+              <a:endParaRPr lang="en-US" sz="1200" dirty="0"/>
+            </a:p>
+          </p:txBody>
+        </p:sp>
+        <p:cxnSp>
+          <p:nvCxnSpPr>
+            <p:cNvPr id="89" name="Straight Connector 88">
+              <a:extLst>
+                <a:ext uri="{FF2B5EF4-FFF2-40B4-BE49-F238E27FC236}">
+                  <a16:creationId xmlns:a16="http://schemas.microsoft.com/office/drawing/2014/main" id="{E4E1C8CA-49DF-45D8-80A5-D5C8282EE927}"/>
+                </a:ext>
+              </a:extLst>
+            </p:cNvPr>
+            <p:cNvCxnSpPr>
+              <a:cxnSpLocks/>
+            </p:cNvCxnSpPr>
+            <p:nvPr/>
+          </p:nvCxnSpPr>
+          <p:spPr>
+            <a:xfrm>
+              <a:off x="12087282" y="3376344"/>
+              <a:ext cx="10108" cy="2031230"/>
+            </a:xfrm>
+            <a:prstGeom prst="line">
+              <a:avLst/>
+            </a:prstGeom>
+            <a:ln w="19050">
+              <a:solidFill>
+                <a:srgbClr val="7030A0"/>
+              </a:solidFill>
+              <a:prstDash val="sysDash"/>
+            </a:ln>
+            <a:effectLst/>
+          </p:spPr>
+          <p:style>
+            <a:lnRef idx="1">
+              <a:schemeClr val="accent1"/>
+            </a:lnRef>
+            <a:fillRef idx="2">
+              <a:schemeClr val="accent1"/>
+            </a:fillRef>
+            <a:effectRef idx="1">
+              <a:schemeClr val="accent1"/>
+            </a:effectRef>
+            <a:fontRef idx="minor">
+              <a:schemeClr val="dk1"/>
+            </a:fontRef>
+          </p:style>
+        </p:cxnSp>
+        <p:cxnSp>
+          <p:nvCxnSpPr>
+            <p:cNvPr id="60" name="Straight Arrow Connector 59">
+              <a:extLst>
+                <a:ext uri="{FF2B5EF4-FFF2-40B4-BE49-F238E27FC236}">
+                  <a16:creationId xmlns:a16="http://schemas.microsoft.com/office/drawing/2014/main" id="{7C9F21BC-13A9-471F-825A-2621FD36355F}"/>
+                </a:ext>
+              </a:extLst>
+            </p:cNvPr>
+            <p:cNvCxnSpPr>
+              <a:cxnSpLocks/>
+            </p:cNvCxnSpPr>
+            <p:nvPr/>
+          </p:nvCxnSpPr>
+          <p:spPr>
+            <a:xfrm flipV="1">
+              <a:off x="10322972" y="4184676"/>
+              <a:ext cx="1626465" cy="6324"/>
+            </a:xfrm>
+            <a:prstGeom prst="straightConnector1">
+              <a:avLst/>
+            </a:prstGeom>
+            <a:ln w="19050">
+              <a:solidFill>
+                <a:srgbClr val="7030A0"/>
+              </a:solidFill>
+              <a:prstDash val="sysDash"/>
+              <a:headEnd type="arrow" w="med" len="med"/>
+              <a:tailEnd type="none" w="med" len="med"/>
+            </a:ln>
+          </p:spPr>
+          <p:style>
+            <a:lnRef idx="1">
+              <a:schemeClr val="accent1"/>
+            </a:lnRef>
+            <a:fillRef idx="0">
+              <a:schemeClr val="accent1"/>
+            </a:fillRef>
+            <a:effectRef idx="0">
+              <a:schemeClr val="accent1"/>
+            </a:effectRef>
+            <a:fontRef idx="minor">
+              <a:schemeClr val="tx1"/>
+            </a:fontRef>
+          </p:style>
+        </p:cxnSp>
+        <p:cxnSp>
+          <p:nvCxnSpPr>
+            <p:cNvPr id="63" name="Straight Arrow Connector 62">
+              <a:extLst>
+                <a:ext uri="{FF2B5EF4-FFF2-40B4-BE49-F238E27FC236}">
+                  <a16:creationId xmlns:a16="http://schemas.microsoft.com/office/drawing/2014/main" id="{7C9F21BC-13A9-471F-825A-2621FD36355F}"/>
+                </a:ext>
+              </a:extLst>
+            </p:cNvPr>
+            <p:cNvCxnSpPr>
+              <a:cxnSpLocks/>
+              <a:endCxn id="49" idx="2"/>
+            </p:cNvCxnSpPr>
+            <p:nvPr/>
+          </p:nvCxnSpPr>
+          <p:spPr>
+            <a:xfrm>
+              <a:off x="8069801" y="4308592"/>
+              <a:ext cx="2149328" cy="0"/>
+            </a:xfrm>
+            <a:prstGeom prst="straightConnector1">
+              <a:avLst/>
+            </a:prstGeom>
+            <a:ln w="19050">
+              <a:solidFill>
+                <a:srgbClr val="7030A0"/>
+              </a:solidFill>
+              <a:prstDash val="sysDash"/>
+              <a:headEnd type="arrow" w="med" len="med"/>
+              <a:tailEnd type="none" w="med" len="med"/>
+            </a:ln>
+          </p:spPr>
+          <p:style>
+            <a:lnRef idx="1">
+              <a:schemeClr val="accent1"/>
+            </a:lnRef>
+            <a:fillRef idx="0">
+              <a:schemeClr val="accent1"/>
+            </a:fillRef>
+            <a:effectRef idx="0">
+              <a:schemeClr val="accent1"/>
+            </a:effectRef>
+            <a:fontRef idx="minor">
+              <a:schemeClr val="tx1"/>
+            </a:fontRef>
+          </p:style>
+        </p:cxnSp>
+        <p:sp>
+          <p:nvSpPr>
+            <p:cNvPr id="43" name="Rectangle 62">
+              <a:extLst>
+                <a:ext uri="{FF2B5EF4-FFF2-40B4-BE49-F238E27FC236}">
+                  <a16:creationId xmlns:a16="http://schemas.microsoft.com/office/drawing/2014/main" id="{78BA848F-32B3-47A3-95EE-01CB50342456}"/>
+                </a:ext>
+              </a:extLst>
+            </p:cNvPr>
+            <p:cNvSpPr/>
+            <p:nvPr/>
+          </p:nvSpPr>
+          <p:spPr>
+            <a:xfrm>
+              <a:off x="4989433" y="1200907"/>
+              <a:ext cx="2027150" cy="461538"/>
+            </a:xfrm>
+            <a:prstGeom prst="rect">
+              <a:avLst/>
+            </a:prstGeom>
             <a:solidFill>
               <a:srgbClr val="0070C0"/>
             </a:solidFill>
-          </a:ln>
-          <a:effectLst/>
-        </p:spPr>
-        <p:style>
-          <a:lnRef idx="1">
-            <a:schemeClr val="accent2"/>
-          </a:lnRef>
-          <a:fillRef idx="2">
-            <a:schemeClr val="accent2"/>
-          </a:fillRef>
-          <a:effectRef idx="1">
-            <a:schemeClr val="accent2"/>
-          </a:effectRef>
-          <a:fontRef idx="minor">
-            <a:schemeClr val="dk1"/>
-          </a:fontRef>
-        </p:style>
-        <p:txBody>
-          <a:bodyPr rtlCol="0" anchor="ctr"/>
-          <a:lstStyle/>
-          <a:p>
-            <a:pPr algn="ctr"/>
-            <a:r>
-              <a:rPr lang="en-US" sz="1600" dirty="0">
+            <a:ln w="19050">
+              <a:solidFill>
+                <a:srgbClr val="0070C0"/>
+              </a:solidFill>
+            </a:ln>
+            <a:effectLst/>
+          </p:spPr>
+          <p:style>
+            <a:lnRef idx="1">
+              <a:schemeClr val="accent2"/>
+            </a:lnRef>
+            <a:fillRef idx="2">
+              <a:schemeClr val="accent2"/>
+            </a:fillRef>
+            <a:effectRef idx="1">
+              <a:schemeClr val="accent2"/>
+            </a:effectRef>
+            <a:fontRef idx="minor">
+              <a:schemeClr val="dk1"/>
+            </a:fontRef>
+          </p:style>
+          <p:txBody>
+            <a:bodyPr rtlCol="0" anchor="ctr"/>
+            <a:lstStyle/>
+            <a:p>
+              <a:pPr algn="ctr"/>
+              <a:r>
+                <a:rPr lang="en-SG" sz="1600" dirty="0">
+                  <a:solidFill>
+                    <a:schemeClr val="bg1"/>
+                  </a:solidFill>
+                </a:rPr>
+                <a:t>:FindCommandParser</a:t>
+              </a:r>
+            </a:p>
+          </p:txBody>
+        </p:sp>
+        <p:cxnSp>
+          <p:nvCxnSpPr>
+            <p:cNvPr id="48" name="Straight Arrow Connector 47">
+              <a:extLst>
+                <a:ext uri="{FF2B5EF4-FFF2-40B4-BE49-F238E27FC236}">
+                  <a16:creationId xmlns:a16="http://schemas.microsoft.com/office/drawing/2014/main" id="{E5D7E24C-07DB-490B-B196-E733352FAC5B}"/>
+                </a:ext>
+              </a:extLst>
+            </p:cNvPr>
+            <p:cNvCxnSpPr>
+              <a:cxnSpLocks/>
+            </p:cNvCxnSpPr>
+            <p:nvPr/>
+          </p:nvCxnSpPr>
+          <p:spPr>
+            <a:xfrm>
+              <a:off x="4164999" y="1849597"/>
+              <a:ext cx="1770073" cy="0"/>
+            </a:xfrm>
+            <a:prstGeom prst="straightConnector1">
+              <a:avLst/>
+            </a:prstGeom>
+            <a:ln w="19050">
+              <a:solidFill>
+                <a:srgbClr val="0070C0"/>
+              </a:solidFill>
+              <a:prstDash val="sysDash"/>
+              <a:headEnd type="arrow" w="med" len="med"/>
+              <a:tailEnd type="none" w="med" len="med"/>
+            </a:ln>
+          </p:spPr>
+          <p:style>
+            <a:lnRef idx="1">
+              <a:schemeClr val="accent1"/>
+            </a:lnRef>
+            <a:fillRef idx="0">
+              <a:schemeClr val="accent1"/>
+            </a:fillRef>
+            <a:effectRef idx="0">
+              <a:schemeClr val="accent1"/>
+            </a:effectRef>
+            <a:fontRef idx="minor">
+              <a:schemeClr val="tx1"/>
+            </a:fontRef>
+          </p:style>
+        </p:cxnSp>
+        <p:cxnSp>
+          <p:nvCxnSpPr>
+            <p:cNvPr id="53" name="Straight Connector 52">
+              <a:extLst>
+                <a:ext uri="{FF2B5EF4-FFF2-40B4-BE49-F238E27FC236}">
+                  <a16:creationId xmlns:a16="http://schemas.microsoft.com/office/drawing/2014/main" id="{8232A036-0E00-4DE0-A0AC-31C35CEC6205}"/>
+                </a:ext>
+              </a:extLst>
+            </p:cNvPr>
+            <p:cNvCxnSpPr>
+              <a:cxnSpLocks/>
+            </p:cNvCxnSpPr>
+            <p:nvPr/>
+          </p:nvCxnSpPr>
+          <p:spPr>
+            <a:xfrm flipH="1">
+              <a:off x="6020324" y="1662445"/>
+              <a:ext cx="9994" cy="1774975"/>
+            </a:xfrm>
+            <a:prstGeom prst="line">
+              <a:avLst/>
+            </a:prstGeom>
+            <a:ln w="19050">
+              <a:solidFill>
+                <a:srgbClr val="0070C0"/>
+              </a:solidFill>
+              <a:prstDash val="sysDash"/>
+            </a:ln>
+            <a:effectLst/>
+          </p:spPr>
+          <p:style>
+            <a:lnRef idx="1">
+              <a:schemeClr val="accent1"/>
+            </a:lnRef>
+            <a:fillRef idx="2">
+              <a:schemeClr val="accent1"/>
+            </a:fillRef>
+            <a:effectRef idx="1">
+              <a:schemeClr val="accent1"/>
+            </a:effectRef>
+            <a:fontRef idx="minor">
+              <a:schemeClr val="dk1"/>
+            </a:fontRef>
+          </p:style>
+        </p:cxnSp>
+        <p:sp>
+          <p:nvSpPr>
+            <p:cNvPr id="64" name="Rectangle 63">
+              <a:extLst>
+                <a:ext uri="{FF2B5EF4-FFF2-40B4-BE49-F238E27FC236}">
+                  <a16:creationId xmlns:a16="http://schemas.microsoft.com/office/drawing/2014/main" id="{59A1CFF0-74D7-4C44-95C0-9E7BD9278D1A}"/>
+                </a:ext>
+              </a:extLst>
+            </p:cNvPr>
+            <p:cNvSpPr/>
+            <p:nvPr/>
+          </p:nvSpPr>
+          <p:spPr>
+            <a:xfrm>
+              <a:off x="7899786" y="2406486"/>
+              <a:ext cx="152400" cy="276003"/>
+            </a:xfrm>
+            <a:prstGeom prst="rect">
+              <a:avLst/>
+            </a:prstGeom>
+            <a:solidFill>
+              <a:srgbClr val="0070C0"/>
+            </a:solidFill>
+            <a:ln>
+              <a:solidFill>
+                <a:srgbClr val="0070C0"/>
+              </a:solidFill>
+            </a:ln>
+            <a:effectLst/>
+          </p:spPr>
+          <p:style>
+            <a:lnRef idx="1">
+              <a:schemeClr val="accent3"/>
+            </a:lnRef>
+            <a:fillRef idx="2">
+              <a:schemeClr val="accent3"/>
+            </a:fillRef>
+            <a:effectRef idx="1">
+              <a:schemeClr val="accent3"/>
+            </a:effectRef>
+            <a:fontRef idx="minor">
+              <a:schemeClr val="dk1"/>
+            </a:fontRef>
+          </p:style>
+          <p:txBody>
+            <a:bodyPr rtlCol="0" anchor="ctr"/>
+            <a:lstStyle/>
+            <a:p>
+              <a:pPr algn="ctr"/>
+              <a:endParaRPr lang="en-SG" sz="1400"/>
+            </a:p>
+          </p:txBody>
+        </p:sp>
+        <p:sp>
+          <p:nvSpPr>
+            <p:cNvPr id="58" name="Rectangle 57">
+              <a:extLst>
+                <a:ext uri="{FF2B5EF4-FFF2-40B4-BE49-F238E27FC236}">
+                  <a16:creationId xmlns:a16="http://schemas.microsoft.com/office/drawing/2014/main" id="{C72BA4DC-3EB4-46E8-A8DE-98A94864D3FD}"/>
+                </a:ext>
+              </a:extLst>
+            </p:cNvPr>
+            <p:cNvSpPr/>
+            <p:nvPr/>
+          </p:nvSpPr>
+          <p:spPr>
+            <a:xfrm>
+              <a:off x="5947266" y="2216710"/>
+              <a:ext cx="146116" cy="719405"/>
+            </a:xfrm>
+            <a:prstGeom prst="rect">
+              <a:avLst/>
+            </a:prstGeom>
+            <a:solidFill>
+              <a:srgbClr val="0070C0"/>
+            </a:solidFill>
+            <a:ln>
+              <a:solidFill>
+                <a:srgbClr val="0070C0"/>
+              </a:solidFill>
+            </a:ln>
+            <a:effectLst/>
+          </p:spPr>
+          <p:style>
+            <a:lnRef idx="1">
+              <a:schemeClr val="accent3"/>
+            </a:lnRef>
+            <a:fillRef idx="2">
+              <a:schemeClr val="accent3"/>
+            </a:fillRef>
+            <a:effectRef idx="1">
+              <a:schemeClr val="accent3"/>
+            </a:effectRef>
+            <a:fontRef idx="minor">
+              <a:schemeClr val="dk1"/>
+            </a:fontRef>
+          </p:style>
+          <p:txBody>
+            <a:bodyPr rtlCol="0" anchor="ctr"/>
+            <a:lstStyle/>
+            <a:p>
+              <a:pPr algn="ctr"/>
+              <a:endParaRPr lang="en-SG" sz="1400"/>
+            </a:p>
+          </p:txBody>
+        </p:sp>
+        <p:sp>
+          <p:nvSpPr>
+            <p:cNvPr id="19" name="Rectangle 62"/>
+            <p:cNvSpPr/>
+            <p:nvPr/>
+          </p:nvSpPr>
+          <p:spPr>
+            <a:xfrm>
+              <a:off x="7283908" y="2031315"/>
+              <a:ext cx="1444794" cy="461538"/>
+            </a:xfrm>
+            <a:prstGeom prst="rect">
+              <a:avLst/>
+            </a:prstGeom>
+            <a:solidFill>
+              <a:srgbClr val="0070C0"/>
+            </a:solidFill>
+            <a:ln w="19050">
+              <a:solidFill>
+                <a:srgbClr val="0070C0"/>
+              </a:solidFill>
+            </a:ln>
+            <a:effectLst/>
+          </p:spPr>
+          <p:style>
+            <a:lnRef idx="1">
+              <a:schemeClr val="accent2"/>
+            </a:lnRef>
+            <a:fillRef idx="2">
+              <a:schemeClr val="accent2"/>
+            </a:fillRef>
+            <a:effectRef idx="1">
+              <a:schemeClr val="accent2"/>
+            </a:effectRef>
+            <a:fontRef idx="minor">
+              <a:schemeClr val="dk1"/>
+            </a:fontRef>
+          </p:style>
+          <p:txBody>
+            <a:bodyPr rtlCol="0" anchor="ctr"/>
+            <a:lstStyle/>
+            <a:p>
+              <a:pPr algn="ctr"/>
+              <a:r>
+                <a:rPr lang="en-US" sz="1600" dirty="0">
+                  <a:solidFill>
+                    <a:schemeClr val="bg1"/>
+                  </a:solidFill>
+                </a:rPr>
+                <a:t>command:FindCommand</a:t>
+              </a:r>
+              <a:endParaRPr lang="en-SG" sz="1600" dirty="0">
                 <a:solidFill>
                   <a:schemeClr val="bg1"/>
                 </a:solidFill>
-              </a:rPr>
-              <a:t>:LogicManager</a:t>
-            </a:r>
-            <a:endParaRPr lang="en-SG" sz="1600" dirty="0">
+              </a:endParaRPr>
+            </a:p>
+          </p:txBody>
+        </p:sp>
+        <p:cxnSp>
+          <p:nvCxnSpPr>
+            <p:cNvPr id="68" name="Straight Arrow Connector 67">
+              <a:extLst>
+                <a:ext uri="{FF2B5EF4-FFF2-40B4-BE49-F238E27FC236}">
+                  <a16:creationId xmlns:a16="http://schemas.microsoft.com/office/drawing/2014/main" id="{1C6710DB-F2B5-4304-920A-CE035B1E2073}"/>
+                </a:ext>
+              </a:extLst>
+            </p:cNvPr>
+            <p:cNvCxnSpPr>
+              <a:cxnSpLocks/>
+            </p:cNvCxnSpPr>
+            <p:nvPr/>
+          </p:nvCxnSpPr>
+          <p:spPr>
+            <a:xfrm>
+              <a:off x="6104173" y="2693684"/>
+              <a:ext cx="1770073" cy="0"/>
+            </a:xfrm>
+            <a:prstGeom prst="straightConnector1">
+              <a:avLst/>
+            </a:prstGeom>
+            <a:ln w="19050">
               <a:solidFill>
-                <a:schemeClr val="bg1"/>
+                <a:srgbClr val="0070C0"/>
               </a:solidFill>
-            </a:endParaRPr>
-          </a:p>
-        </p:txBody>
-      </p:sp>
-      <p:cxnSp>
-        <p:nvCxnSpPr>
-          <p:cNvPr id="5" name="Straight Connector 4"/>
-          <p:cNvCxnSpPr>
-            <a:cxnSpLocks/>
-          </p:cNvCxnSpPr>
-          <p:nvPr/>
-        </p:nvCxnSpPr>
-        <p:spPr>
-          <a:xfrm>
-            <a:off x="1610959" y="907617"/>
-            <a:ext cx="0" cy="4566938"/>
-          </a:xfrm>
-          <a:prstGeom prst="line">
-            <a:avLst/>
-          </a:prstGeom>
-          <a:ln w="19050">
+              <a:prstDash val="sysDash"/>
+              <a:headEnd type="arrow" w="med" len="med"/>
+              <a:tailEnd type="none" w="med" len="med"/>
+            </a:ln>
+          </p:spPr>
+          <p:style>
+            <a:lnRef idx="1">
+              <a:schemeClr val="accent1"/>
+            </a:lnRef>
+            <a:fillRef idx="0">
+              <a:schemeClr val="accent1"/>
+            </a:fillRef>
+            <a:effectRef idx="0">
+              <a:schemeClr val="accent1"/>
+            </a:effectRef>
+            <a:fontRef idx="minor">
+              <a:schemeClr val="tx1"/>
+            </a:fontRef>
+          </p:style>
+        </p:cxnSp>
+        <p:cxnSp>
+          <p:nvCxnSpPr>
+            <p:cNvPr id="70" name="Straight Arrow Connector 69">
+              <a:extLst>
+                <a:ext uri="{FF2B5EF4-FFF2-40B4-BE49-F238E27FC236}">
+                  <a16:creationId xmlns:a16="http://schemas.microsoft.com/office/drawing/2014/main" id="{5EBD9861-8CED-4FD2-A0C5-FAECBAB3F1BD}"/>
+                </a:ext>
+              </a:extLst>
+            </p:cNvPr>
+            <p:cNvCxnSpPr>
+              <a:cxnSpLocks/>
+            </p:cNvCxnSpPr>
+            <p:nvPr/>
+          </p:nvCxnSpPr>
+          <p:spPr>
+            <a:xfrm flipH="1" flipV="1">
+              <a:off x="4139674" y="2254319"/>
+              <a:ext cx="1782128" cy="14217"/>
+            </a:xfrm>
+            <a:prstGeom prst="straightConnector1">
+              <a:avLst/>
+            </a:prstGeom>
+            <a:ln w="19050">
+              <a:solidFill>
+                <a:srgbClr val="0070C0"/>
+              </a:solidFill>
+              <a:prstDash val="sysDash"/>
+              <a:headEnd type="arrow" w="med" len="med"/>
+              <a:tailEnd type="none" w="med" len="med"/>
+            </a:ln>
+          </p:spPr>
+          <p:style>
+            <a:lnRef idx="1">
+              <a:schemeClr val="accent1"/>
+            </a:lnRef>
+            <a:fillRef idx="0">
+              <a:schemeClr val="accent1"/>
+            </a:fillRef>
+            <a:effectRef idx="0">
+              <a:schemeClr val="accent1"/>
+            </a:effectRef>
+            <a:fontRef idx="minor">
+              <a:schemeClr val="tx1"/>
+            </a:fontRef>
+          </p:style>
+        </p:cxnSp>
+        <p:sp>
+          <p:nvSpPr>
+            <p:cNvPr id="73" name="TextBox 72">
+              <a:extLst>
+                <a:ext uri="{FF2B5EF4-FFF2-40B4-BE49-F238E27FC236}">
+                  <a16:creationId xmlns:a16="http://schemas.microsoft.com/office/drawing/2014/main" id="{02D0BA73-4181-4E38-8281-523786A6358B}"/>
+                </a:ext>
+              </a:extLst>
+            </p:cNvPr>
+            <p:cNvSpPr txBox="1"/>
+            <p:nvPr/>
+          </p:nvSpPr>
+          <p:spPr>
+            <a:xfrm>
+              <a:off x="3862876" y="2031315"/>
+              <a:ext cx="2326867" cy="215444"/>
+            </a:xfrm>
+            <a:prstGeom prst="rect">
+              <a:avLst/>
+            </a:prstGeom>
+            <a:noFill/>
+          </p:spPr>
+          <p:txBody>
+            <a:bodyPr wrap="square" lIns="0" tIns="0" rIns="0" bIns="0" rtlCol="0">
+              <a:spAutoFit/>
+            </a:bodyPr>
+            <a:lstStyle>
+              <a:defPPr>
+                <a:defRPr lang="en-US"/>
+              </a:defPPr>
+              <a:lvl1pPr algn="r">
+                <a:defRPr sz="1400">
+                  <a:solidFill>
+                    <a:srgbClr val="0070C0"/>
+                  </a:solidFill>
+                </a:defRPr>
+              </a:lvl1pPr>
+            </a:lstStyle>
+            <a:p>
+              <a:pPr algn="ctr"/>
+              <a:r>
+                <a:rPr lang="en-US" dirty="0"/>
+                <a:t>parse(“employee John”)</a:t>
+              </a:r>
+            </a:p>
+          </p:txBody>
+        </p:sp>
+        <p:cxnSp>
+          <p:nvCxnSpPr>
+            <p:cNvPr id="74" name="Straight Arrow Connector 73">
+              <a:extLst>
+                <a:ext uri="{FF2B5EF4-FFF2-40B4-BE49-F238E27FC236}">
+                  <a16:creationId xmlns:a16="http://schemas.microsoft.com/office/drawing/2014/main" id="{81604150-18A0-413F-AA96-C1D76B98D84B}"/>
+                </a:ext>
+              </a:extLst>
+            </p:cNvPr>
+            <p:cNvCxnSpPr>
+              <a:cxnSpLocks/>
+            </p:cNvCxnSpPr>
+            <p:nvPr/>
+          </p:nvCxnSpPr>
+          <p:spPr>
+            <a:xfrm>
+              <a:off x="4156211" y="2847832"/>
+              <a:ext cx="1770073" cy="0"/>
+            </a:xfrm>
+            <a:prstGeom prst="straightConnector1">
+              <a:avLst/>
+            </a:prstGeom>
+            <a:ln w="19050">
+              <a:solidFill>
+                <a:srgbClr val="0070C0"/>
+              </a:solidFill>
+              <a:prstDash val="sysDash"/>
+              <a:headEnd type="arrow" w="med" len="med"/>
+              <a:tailEnd type="none" w="med" len="med"/>
+            </a:ln>
+          </p:spPr>
+          <p:style>
+            <a:lnRef idx="1">
+              <a:schemeClr val="accent1"/>
+            </a:lnRef>
+            <a:fillRef idx="0">
+              <a:schemeClr val="accent1"/>
+            </a:fillRef>
+            <a:effectRef idx="0">
+              <a:schemeClr val="accent1"/>
+            </a:effectRef>
+            <a:fontRef idx="minor">
+              <a:schemeClr val="tx1"/>
+            </a:fontRef>
+          </p:style>
+        </p:cxnSp>
+        <p:sp>
+          <p:nvSpPr>
+            <p:cNvPr id="75" name="TextBox 74">
+              <a:extLst>
+                <a:ext uri="{FF2B5EF4-FFF2-40B4-BE49-F238E27FC236}">
+                  <a16:creationId xmlns:a16="http://schemas.microsoft.com/office/drawing/2014/main" id="{C212F92C-7107-4099-B471-00563DF416B5}"/>
+                </a:ext>
+              </a:extLst>
+            </p:cNvPr>
+            <p:cNvSpPr txBox="1"/>
+            <p:nvPr/>
+          </p:nvSpPr>
+          <p:spPr>
+            <a:xfrm>
+              <a:off x="4402043" y="2613474"/>
+              <a:ext cx="995847" cy="215444"/>
+            </a:xfrm>
+            <a:prstGeom prst="rect">
+              <a:avLst/>
+            </a:prstGeom>
+            <a:noFill/>
+          </p:spPr>
+          <p:txBody>
+            <a:bodyPr wrap="square" lIns="0" tIns="0" rIns="0" bIns="0" rtlCol="0">
+              <a:spAutoFit/>
+            </a:bodyPr>
+            <a:lstStyle>
+              <a:defPPr>
+                <a:defRPr lang="en-US"/>
+              </a:defPPr>
+              <a:lvl1pPr algn="r">
+                <a:defRPr sz="1400">
+                  <a:solidFill>
+                    <a:srgbClr val="0070C0"/>
+                  </a:solidFill>
+                </a:defRPr>
+              </a:lvl1pPr>
+            </a:lstStyle>
+            <a:p>
+              <a:r>
+                <a:rPr lang="en-US" dirty="0"/>
+                <a:t>command</a:t>
+              </a:r>
+            </a:p>
+          </p:txBody>
+        </p:sp>
+        <p:sp>
+          <p:nvSpPr>
+            <p:cNvPr id="85" name="Rectangle 62">
+              <a:extLst>
+                <a:ext uri="{FF2B5EF4-FFF2-40B4-BE49-F238E27FC236}">
+                  <a16:creationId xmlns:a16="http://schemas.microsoft.com/office/drawing/2014/main" id="{7DC6CA01-6578-451A-B8E7-27A2E8548990}"/>
+                </a:ext>
+              </a:extLst>
+            </p:cNvPr>
+            <p:cNvSpPr/>
+            <p:nvPr/>
+          </p:nvSpPr>
+          <p:spPr>
+            <a:xfrm>
+              <a:off x="10882312" y="2986953"/>
+              <a:ext cx="2300047" cy="450467"/>
+            </a:xfrm>
+            <a:prstGeom prst="rect">
+              <a:avLst/>
+            </a:prstGeom>
             <a:solidFill>
-              <a:srgbClr val="0070C0"/>
+              <a:srgbClr val="7030A0"/>
             </a:solidFill>
-            <a:prstDash val="sysDash"/>
-          </a:ln>
-          <a:effectLst/>
-        </p:spPr>
-        <p:style>
-          <a:lnRef idx="1">
-            <a:schemeClr val="accent1"/>
-          </a:lnRef>
-          <a:fillRef idx="2">
-            <a:schemeClr val="accent1"/>
-          </a:fillRef>
-          <a:effectRef idx="1">
-            <a:schemeClr val="accent1"/>
-          </a:effectRef>
-          <a:fontRef idx="minor">
-            <a:schemeClr val="dk1"/>
-          </a:fontRef>
-        </p:style>
-      </p:cxnSp>
-      <p:sp>
-        <p:nvSpPr>
-          <p:cNvPr id="6" name="Rectangle 5"/>
-          <p:cNvSpPr/>
-          <p:nvPr/>
-        </p:nvSpPr>
-        <p:spPr>
-          <a:xfrm>
-            <a:off x="1538951" y="1258311"/>
-            <a:ext cx="130249" cy="3705497"/>
-          </a:xfrm>
-          <a:prstGeom prst="rect">
-            <a:avLst/>
-          </a:prstGeom>
-          <a:solidFill>
-            <a:srgbClr val="0070C0"/>
-          </a:solidFill>
-          <a:ln>
-            <a:solidFill>
-              <a:srgbClr val="0070C0"/>
-            </a:solidFill>
-          </a:ln>
-          <a:effectLst/>
-        </p:spPr>
-        <p:style>
-          <a:lnRef idx="1">
-            <a:schemeClr val="accent3"/>
-          </a:lnRef>
-          <a:fillRef idx="2">
-            <a:schemeClr val="accent3"/>
-          </a:fillRef>
-          <a:effectRef idx="1">
-            <a:schemeClr val="accent3"/>
-          </a:effectRef>
-          <a:fontRef idx="minor">
-            <a:schemeClr val="dk1"/>
-          </a:fontRef>
-        </p:style>
-        <p:txBody>
-          <a:bodyPr rtlCol="0" anchor="ctr"/>
-          <a:lstStyle/>
-          <a:p>
-            <a:pPr algn="ctr"/>
-            <a:endParaRPr lang="en-SG" sz="1400"/>
-          </a:p>
-        </p:txBody>
-      </p:sp>
-      <p:sp>
-        <p:nvSpPr>
-          <p:cNvPr id="16" name="Rectangle 62"/>
-          <p:cNvSpPr/>
-          <p:nvPr/>
-        </p:nvSpPr>
-        <p:spPr>
-          <a:xfrm>
-            <a:off x="3437187" y="423022"/>
-            <a:ext cx="1455625" cy="467684"/>
-          </a:xfrm>
-          <a:prstGeom prst="rect">
-            <a:avLst/>
-          </a:prstGeom>
-          <a:solidFill>
-            <a:srgbClr val="0070C0"/>
-          </a:solidFill>
-          <a:ln w="19050">
-            <a:solidFill>
-              <a:srgbClr val="0070C0"/>
-            </a:solidFill>
-          </a:ln>
-          <a:effectLst/>
-        </p:spPr>
-        <p:style>
-          <a:lnRef idx="1">
-            <a:schemeClr val="accent2"/>
-          </a:lnRef>
-          <a:fillRef idx="2">
-            <a:schemeClr val="accent2"/>
-          </a:fillRef>
-          <a:effectRef idx="1">
-            <a:schemeClr val="accent2"/>
-          </a:effectRef>
-          <a:fontRef idx="minor">
-            <a:schemeClr val="dk1"/>
-          </a:fontRef>
-        </p:style>
-        <p:txBody>
-          <a:bodyPr rtlCol="0" anchor="ctr"/>
-          <a:lstStyle/>
-          <a:p>
-            <a:pPr algn="ctr"/>
-            <a:r>
-              <a:rPr lang="en-US" sz="1600" dirty="0">
+            <a:ln w="19050">
+              <a:solidFill>
+                <a:srgbClr val="7030A0"/>
+              </a:solidFill>
+            </a:ln>
+            <a:effectLst/>
+          </p:spPr>
+          <p:style>
+            <a:lnRef idx="1">
+              <a:schemeClr val="accent2"/>
+            </a:lnRef>
+            <a:fillRef idx="2">
+              <a:schemeClr val="accent2"/>
+            </a:fillRef>
+            <a:effectRef idx="1">
+              <a:schemeClr val="accent2"/>
+            </a:effectRef>
+            <a:fontRef idx="minor">
+              <a:schemeClr val="dk1"/>
+            </a:fontRef>
+          </p:style>
+          <p:txBody>
+            <a:bodyPr rtlCol="0" anchor="ctr"/>
+            <a:lstStyle/>
+            <a:p>
+              <a:pPr algn="ctr"/>
+              <a:r>
+                <a:rPr lang="en-US" sz="1600" dirty="0">
+                  <a:solidFill>
+                    <a:schemeClr val="bg1"/>
+                  </a:solidFill>
+                </a:rPr>
+                <a:t>filteredemployee:FilteredList&lt;Employee&gt;</a:t>
+              </a:r>
+              <a:endParaRPr lang="en-SG" sz="1600" dirty="0">
                 <a:solidFill>
                   <a:schemeClr val="bg1"/>
                 </a:solidFill>
-              </a:rPr>
-              <a:t>:PocketProjectParser</a:t>
-            </a:r>
-            <a:endParaRPr lang="en-SG" sz="1600" dirty="0">
+              </a:endParaRPr>
+            </a:p>
+          </p:txBody>
+        </p:sp>
+        <p:cxnSp>
+          <p:nvCxnSpPr>
+            <p:cNvPr id="87" name="Straight Arrow Connector 86">
+              <a:extLst>
+                <a:ext uri="{FF2B5EF4-FFF2-40B4-BE49-F238E27FC236}">
+                  <a16:creationId xmlns:a16="http://schemas.microsoft.com/office/drawing/2014/main" id="{789C3738-06E5-422E-8DFA-7EDFF9E80123}"/>
+                </a:ext>
+              </a:extLst>
+            </p:cNvPr>
+            <p:cNvCxnSpPr>
+              <a:cxnSpLocks/>
+            </p:cNvCxnSpPr>
+            <p:nvPr/>
+          </p:nvCxnSpPr>
+          <p:spPr>
+            <a:xfrm flipH="1">
+              <a:off x="10362439" y="3895922"/>
+              <a:ext cx="1626465" cy="0"/>
+            </a:xfrm>
+            <a:prstGeom prst="straightConnector1">
+              <a:avLst/>
+            </a:prstGeom>
+            <a:ln w="19050">
               <a:solidFill>
-                <a:schemeClr val="bg1"/>
+                <a:srgbClr val="7030A0"/>
               </a:solidFill>
-            </a:endParaRPr>
-          </a:p>
-        </p:txBody>
-      </p:sp>
-      <p:cxnSp>
-        <p:nvCxnSpPr>
-          <p:cNvPr id="17" name="Straight Connector 16"/>
-          <p:cNvCxnSpPr>
-            <a:cxnSpLocks/>
-          </p:cNvCxnSpPr>
-          <p:nvPr/>
-        </p:nvCxnSpPr>
-        <p:spPr>
-          <a:xfrm>
-            <a:off x="4050587" y="907617"/>
-            <a:ext cx="0" cy="1482984"/>
-          </a:xfrm>
-          <a:prstGeom prst="line">
-            <a:avLst/>
-          </a:prstGeom>
-          <a:ln w="19050">
-            <a:solidFill>
-              <a:srgbClr val="0070C0"/>
-            </a:solidFill>
-            <a:prstDash val="sysDash"/>
-          </a:ln>
-          <a:effectLst/>
-        </p:spPr>
-        <p:style>
-          <a:lnRef idx="1">
-            <a:schemeClr val="accent1"/>
-          </a:lnRef>
-          <a:fillRef idx="2">
-            <a:schemeClr val="accent1"/>
-          </a:fillRef>
-          <a:effectRef idx="1">
-            <a:schemeClr val="accent1"/>
-          </a:effectRef>
-          <a:fontRef idx="minor">
-            <a:schemeClr val="dk1"/>
-          </a:fontRef>
-        </p:style>
-      </p:cxnSp>
-      <p:sp>
-        <p:nvSpPr>
-          <p:cNvPr id="18" name="Rectangle 17"/>
-          <p:cNvSpPr/>
-          <p:nvPr/>
-        </p:nvSpPr>
-        <p:spPr>
-          <a:xfrm>
-            <a:off x="3978580" y="1365809"/>
-            <a:ext cx="159802" cy="1709115"/>
-          </a:xfrm>
-          <a:prstGeom prst="rect">
-            <a:avLst/>
-          </a:prstGeom>
-          <a:solidFill>
-            <a:srgbClr val="0070C0"/>
-          </a:solidFill>
-          <a:ln>
-            <a:solidFill>
-              <a:srgbClr val="0070C0"/>
-            </a:solidFill>
-          </a:ln>
-          <a:effectLst/>
-        </p:spPr>
-        <p:style>
-          <a:lnRef idx="1">
-            <a:schemeClr val="accent3"/>
-          </a:lnRef>
-          <a:fillRef idx="2">
-            <a:schemeClr val="accent3"/>
-          </a:fillRef>
-          <a:effectRef idx="1">
-            <a:schemeClr val="accent3"/>
-          </a:effectRef>
-          <a:fontRef idx="minor">
-            <a:schemeClr val="dk1"/>
-          </a:fontRef>
-        </p:style>
-        <p:txBody>
-          <a:bodyPr rtlCol="0" anchor="ctr"/>
-          <a:lstStyle/>
-          <a:p>
-            <a:pPr algn="ctr"/>
-            <a:endParaRPr lang="en-SG" sz="1400">
-              <a:solidFill>
-                <a:schemeClr val="dk1"/>
-              </a:solidFill>
-            </a:endParaRPr>
-          </a:p>
-        </p:txBody>
-      </p:sp>
-      <p:cxnSp>
-        <p:nvCxnSpPr>
-          <p:cNvPr id="20" name="Straight Connector 19"/>
-          <p:cNvCxnSpPr>
-            <a:cxnSpLocks/>
-          </p:cNvCxnSpPr>
-          <p:nvPr/>
-        </p:nvCxnSpPr>
-        <p:spPr>
-          <a:xfrm>
-            <a:off x="7989211" y="2517898"/>
-            <a:ext cx="17094" cy="2445910"/>
-          </a:xfrm>
-          <a:prstGeom prst="line">
-            <a:avLst/>
-          </a:prstGeom>
-          <a:ln w="19050">
-            <a:solidFill>
-              <a:srgbClr val="0070C0"/>
-            </a:solidFill>
-            <a:prstDash val="sysDash"/>
-          </a:ln>
-          <a:effectLst/>
-        </p:spPr>
-        <p:style>
-          <a:lnRef idx="1">
-            <a:schemeClr val="accent1"/>
-          </a:lnRef>
-          <a:fillRef idx="2">
-            <a:schemeClr val="accent1"/>
-          </a:fillRef>
-          <a:effectRef idx="1">
-            <a:schemeClr val="accent1"/>
-          </a:effectRef>
-          <a:fontRef idx="minor">
-            <a:schemeClr val="dk1"/>
-          </a:fontRef>
-        </p:style>
-      </p:cxnSp>
-      <p:sp>
-        <p:nvSpPr>
-          <p:cNvPr id="21" name="Rectangle 20"/>
-          <p:cNvSpPr/>
-          <p:nvPr/>
-        </p:nvSpPr>
-        <p:spPr>
-          <a:xfrm>
-            <a:off x="5951773" y="1590623"/>
-            <a:ext cx="152400" cy="276003"/>
-          </a:xfrm>
-          <a:prstGeom prst="rect">
-            <a:avLst/>
-          </a:prstGeom>
-          <a:solidFill>
-            <a:srgbClr val="0070C0"/>
-          </a:solidFill>
-          <a:ln>
-            <a:solidFill>
-              <a:srgbClr val="0070C0"/>
-            </a:solidFill>
-          </a:ln>
-          <a:effectLst/>
-        </p:spPr>
-        <p:style>
-          <a:lnRef idx="1">
-            <a:schemeClr val="accent3"/>
-          </a:lnRef>
-          <a:fillRef idx="2">
-            <a:schemeClr val="accent3"/>
-          </a:fillRef>
-          <a:effectRef idx="1">
-            <a:schemeClr val="accent3"/>
-          </a:effectRef>
-          <a:fontRef idx="minor">
-            <a:schemeClr val="dk1"/>
-          </a:fontRef>
-        </p:style>
-        <p:txBody>
-          <a:bodyPr rtlCol="0" anchor="ctr"/>
-          <a:lstStyle/>
-          <a:p>
-            <a:pPr algn="ctr"/>
-            <a:endParaRPr lang="en-SG" sz="1400"/>
-          </a:p>
-        </p:txBody>
-      </p:sp>
-      <p:cxnSp>
-        <p:nvCxnSpPr>
-          <p:cNvPr id="23" name="Straight Arrow Connector 22"/>
-          <p:cNvCxnSpPr/>
-          <p:nvPr/>
-        </p:nvCxnSpPr>
-        <p:spPr>
-          <a:xfrm>
-            <a:off x="419100" y="1261999"/>
-            <a:ext cx="1119851" cy="0"/>
-          </a:xfrm>
-          <a:prstGeom prst="straightConnector1">
-            <a:avLst/>
-          </a:prstGeom>
-          <a:ln w="19050">
-            <a:solidFill>
-              <a:srgbClr val="00B050"/>
-            </a:solidFill>
-            <a:tailEnd type="arrow"/>
-          </a:ln>
-        </p:spPr>
-        <p:style>
-          <a:lnRef idx="1">
-            <a:schemeClr val="accent1"/>
-          </a:lnRef>
-          <a:fillRef idx="0">
-            <a:schemeClr val="accent1"/>
-          </a:fillRef>
-          <a:effectRef idx="0">
-            <a:schemeClr val="accent1"/>
-          </a:effectRef>
-          <a:fontRef idx="minor">
-            <a:schemeClr val="tx1"/>
-          </a:fontRef>
-        </p:style>
-      </p:cxnSp>
-      <p:sp>
-        <p:nvSpPr>
-          <p:cNvPr id="26" name="TextBox 25"/>
-          <p:cNvSpPr txBox="1"/>
-          <p:nvPr/>
-        </p:nvSpPr>
-        <p:spPr>
-          <a:xfrm>
-            <a:off x="38100" y="990600"/>
-            <a:ext cx="1424846" cy="215444"/>
-          </a:xfrm>
-          <a:prstGeom prst="rect">
-            <a:avLst/>
-          </a:prstGeom>
-          <a:noFill/>
-        </p:spPr>
-        <p:txBody>
-          <a:bodyPr wrap="square" lIns="0" tIns="0" rIns="0" bIns="0" rtlCol="0">
-            <a:spAutoFit/>
-          </a:bodyPr>
-          <a:lstStyle/>
-          <a:p>
-            <a:pPr algn="r"/>
-            <a:r>
-              <a:rPr lang="en-US" sz="1400" dirty="0">
-                <a:solidFill>
-                  <a:srgbClr val="0070C0"/>
-                </a:solidFill>
-              </a:rPr>
-              <a:t>execute(“undo”)</a:t>
-            </a:r>
-          </a:p>
-        </p:txBody>
-      </p:sp>
-      <p:cxnSp>
-        <p:nvCxnSpPr>
-          <p:cNvPr id="28" name="Straight Arrow Connector 27"/>
-          <p:cNvCxnSpPr>
-            <a:cxnSpLocks/>
-          </p:cNvCxnSpPr>
-          <p:nvPr/>
-        </p:nvCxnSpPr>
-        <p:spPr>
-          <a:xfrm flipV="1">
-            <a:off x="4135972" y="1505149"/>
-            <a:ext cx="875042" cy="7193"/>
-          </a:xfrm>
-          <a:prstGeom prst="straightConnector1">
-            <a:avLst/>
-          </a:prstGeom>
-          <a:ln w="19050">
-            <a:solidFill>
-              <a:srgbClr val="0070C0"/>
-            </a:solidFill>
-            <a:tailEnd type="arrow"/>
-          </a:ln>
-        </p:spPr>
-        <p:style>
-          <a:lnRef idx="1">
-            <a:schemeClr val="accent1"/>
-          </a:lnRef>
-          <a:fillRef idx="0">
-            <a:schemeClr val="accent1"/>
-          </a:fillRef>
-          <a:effectRef idx="0">
-            <a:schemeClr val="accent1"/>
-          </a:effectRef>
-          <a:fontRef idx="minor">
-            <a:schemeClr val="tx1"/>
-          </a:fontRef>
-        </p:style>
-      </p:cxnSp>
-      <p:sp>
-        <p:nvSpPr>
-          <p:cNvPr id="29" name="TextBox 28"/>
-          <p:cNvSpPr txBox="1"/>
-          <p:nvPr/>
-        </p:nvSpPr>
-        <p:spPr>
-          <a:xfrm>
-            <a:off x="2159901" y="3259493"/>
-            <a:ext cx="855809" cy="215444"/>
-          </a:xfrm>
-          <a:prstGeom prst="rect">
-            <a:avLst/>
-          </a:prstGeom>
-          <a:noFill/>
-        </p:spPr>
-        <p:txBody>
-          <a:bodyPr wrap="square" lIns="0" tIns="0" rIns="0" bIns="0" rtlCol="0">
-            <a:spAutoFit/>
-          </a:bodyPr>
-          <a:lstStyle>
-            <a:defPPr>
-              <a:defRPr lang="en-US"/>
-            </a:defPPr>
-            <a:lvl1pPr algn="r">
-              <a:defRPr sz="1400">
-                <a:solidFill>
-                  <a:srgbClr val="0070C0"/>
-                </a:solidFill>
-              </a:defRPr>
-            </a:lvl1pPr>
-          </a:lstStyle>
-          <a:p>
-            <a:r>
-              <a:rPr lang="en-US" dirty="0"/>
-              <a:t>execute()</a:t>
-            </a:r>
-          </a:p>
-        </p:txBody>
-      </p:sp>
-      <p:cxnSp>
-        <p:nvCxnSpPr>
-          <p:cNvPr id="34" name="Straight Arrow Connector 33"/>
-          <p:cNvCxnSpPr>
-            <a:cxnSpLocks/>
-          </p:cNvCxnSpPr>
-          <p:nvPr/>
-        </p:nvCxnSpPr>
-        <p:spPr>
-          <a:xfrm flipH="1" flipV="1">
-            <a:off x="6093382" y="2346273"/>
-            <a:ext cx="1190526" cy="3242"/>
-          </a:xfrm>
-          <a:prstGeom prst="straightConnector1">
-            <a:avLst/>
-          </a:prstGeom>
-          <a:ln w="19050">
-            <a:solidFill>
-              <a:srgbClr val="0070C0"/>
-            </a:solidFill>
-            <a:prstDash val="sysDash"/>
-            <a:headEnd type="arrow" w="med" len="med"/>
-            <a:tailEnd type="none" w="med" len="med"/>
-          </a:ln>
-        </p:spPr>
-        <p:style>
-          <a:lnRef idx="1">
-            <a:schemeClr val="accent1"/>
-          </a:lnRef>
-          <a:fillRef idx="0">
-            <a:schemeClr val="accent1"/>
-          </a:fillRef>
-          <a:effectRef idx="0">
-            <a:schemeClr val="accent1"/>
-          </a:effectRef>
-          <a:fontRef idx="minor">
-            <a:schemeClr val="tx1"/>
-          </a:fontRef>
-        </p:style>
-      </p:cxnSp>
-      <p:cxnSp>
-        <p:nvCxnSpPr>
-          <p:cNvPr id="35" name="Straight Arrow Connector 34"/>
-          <p:cNvCxnSpPr>
-            <a:cxnSpLocks/>
-          </p:cNvCxnSpPr>
-          <p:nvPr/>
-        </p:nvCxnSpPr>
-        <p:spPr>
-          <a:xfrm>
-            <a:off x="1691351" y="3046587"/>
-            <a:ext cx="2348067" cy="0"/>
-          </a:xfrm>
-          <a:prstGeom prst="straightConnector1">
-            <a:avLst/>
-          </a:prstGeom>
-          <a:ln w="19050">
-            <a:solidFill>
-              <a:srgbClr val="0070C0"/>
-            </a:solidFill>
-            <a:prstDash val="sysDash"/>
-            <a:headEnd type="arrow" w="med" len="med"/>
-            <a:tailEnd type="none" w="med" len="med"/>
-          </a:ln>
-        </p:spPr>
-        <p:style>
-          <a:lnRef idx="1">
-            <a:schemeClr val="accent1"/>
-          </a:lnRef>
-          <a:fillRef idx="0">
-            <a:schemeClr val="accent1"/>
-          </a:fillRef>
-          <a:effectRef idx="0">
-            <a:schemeClr val="accent1"/>
-          </a:effectRef>
-          <a:fontRef idx="minor">
-            <a:schemeClr val="tx1"/>
-          </a:fontRef>
-        </p:style>
-      </p:cxnSp>
-      <p:cxnSp>
-        <p:nvCxnSpPr>
-          <p:cNvPr id="37" name="Straight Arrow Connector 36"/>
-          <p:cNvCxnSpPr/>
-          <p:nvPr/>
-        </p:nvCxnSpPr>
-        <p:spPr>
-          <a:xfrm>
-            <a:off x="342900" y="4963808"/>
-            <a:ext cx="1196051" cy="0"/>
-          </a:xfrm>
-          <a:prstGeom prst="straightConnector1">
-            <a:avLst/>
-          </a:prstGeom>
-          <a:ln w="19050">
-            <a:solidFill>
-              <a:schemeClr val="accent1"/>
-            </a:solidFill>
-            <a:prstDash val="sysDash"/>
-            <a:headEnd type="arrow" w="med" len="med"/>
-            <a:tailEnd type="none" w="med" len="med"/>
-          </a:ln>
-        </p:spPr>
-        <p:style>
-          <a:lnRef idx="1">
-            <a:schemeClr val="accent1"/>
-          </a:lnRef>
-          <a:fillRef idx="0">
-            <a:schemeClr val="accent1"/>
-          </a:fillRef>
-          <a:effectRef idx="0">
-            <a:schemeClr val="accent1"/>
-          </a:effectRef>
-          <a:fontRef idx="minor">
-            <a:schemeClr val="tx1"/>
-          </a:fontRef>
-        </p:style>
-      </p:cxnSp>
-      <p:sp>
-        <p:nvSpPr>
-          <p:cNvPr id="65" name="Rectangle 64"/>
-          <p:cNvSpPr/>
-          <p:nvPr/>
-        </p:nvSpPr>
-        <p:spPr>
-          <a:xfrm>
-            <a:off x="7908479" y="3442521"/>
-            <a:ext cx="161322" cy="1307285"/>
-          </a:xfrm>
-          <a:prstGeom prst="rect">
-            <a:avLst/>
-          </a:prstGeom>
-          <a:solidFill>
-            <a:srgbClr val="0070C0"/>
-          </a:solidFill>
-          <a:ln>
-            <a:solidFill>
-              <a:srgbClr val="0070C0"/>
-            </a:solidFill>
-          </a:ln>
-          <a:effectLst/>
-        </p:spPr>
-        <p:style>
-          <a:lnRef idx="1">
-            <a:schemeClr val="accent3"/>
-          </a:lnRef>
-          <a:fillRef idx="2">
-            <a:schemeClr val="accent3"/>
-          </a:fillRef>
-          <a:effectRef idx="1">
-            <a:schemeClr val="accent3"/>
-          </a:effectRef>
-          <a:fontRef idx="minor">
-            <a:schemeClr val="dk1"/>
-          </a:fontRef>
-        </p:style>
-        <p:txBody>
-          <a:bodyPr rtlCol="0" anchor="ctr"/>
-          <a:lstStyle/>
-          <a:p>
-            <a:pPr algn="ctr"/>
-            <a:endParaRPr lang="en-SG" sz="1400"/>
-          </a:p>
-        </p:txBody>
-      </p:sp>
-      <p:sp>
-        <p:nvSpPr>
-          <p:cNvPr id="79" name="TextBox 78"/>
-          <p:cNvSpPr txBox="1"/>
-          <p:nvPr/>
-        </p:nvSpPr>
-        <p:spPr>
-          <a:xfrm>
-            <a:off x="8009713" y="3376344"/>
-            <a:ext cx="2181777" cy="369332"/>
-          </a:xfrm>
-          <a:prstGeom prst="rect">
-            <a:avLst/>
-          </a:prstGeom>
-          <a:noFill/>
-        </p:spPr>
-        <p:txBody>
-          <a:bodyPr wrap="square" lIns="0" tIns="0" rIns="0" bIns="0" rtlCol="0">
-            <a:spAutoFit/>
-          </a:bodyPr>
-          <a:lstStyle>
-            <a:defPPr>
-              <a:defRPr lang="en-US"/>
-            </a:defPPr>
-            <a:lvl1pPr algn="r">
-              <a:defRPr sz="1400">
-                <a:solidFill>
-                  <a:srgbClr val="0070C0"/>
-                </a:solidFill>
-              </a:defRPr>
-            </a:lvl1pPr>
-          </a:lstStyle>
-          <a:p>
-            <a:pPr algn="ctr"/>
-            <a:r>
-              <a:rPr lang="en-US" sz="1200" dirty="0"/>
-              <a:t>updateFilteredEmployeeList(</a:t>
-            </a:r>
-          </a:p>
-          <a:p>
-            <a:pPr algn="ctr"/>
-            <a:r>
-              <a:rPr lang="en-US" sz="1200" dirty="0"/>
-              <a:t>predicate)</a:t>
-            </a:r>
-          </a:p>
-        </p:txBody>
-      </p:sp>
-      <p:sp>
-        <p:nvSpPr>
-          <p:cNvPr id="80" name="TextBox 79"/>
-          <p:cNvSpPr txBox="1"/>
-          <p:nvPr/>
-        </p:nvSpPr>
-        <p:spPr>
-          <a:xfrm>
-            <a:off x="1728917" y="992333"/>
-            <a:ext cx="2326867" cy="430887"/>
-          </a:xfrm>
-          <a:prstGeom prst="rect">
-            <a:avLst/>
-          </a:prstGeom>
-          <a:noFill/>
-        </p:spPr>
-        <p:txBody>
-          <a:bodyPr wrap="square" lIns="0" tIns="0" rIns="0" bIns="0" rtlCol="0">
-            <a:spAutoFit/>
-          </a:bodyPr>
-          <a:lstStyle>
-            <a:defPPr>
-              <a:defRPr lang="en-US"/>
-            </a:defPPr>
-            <a:lvl1pPr algn="r">
-              <a:defRPr sz="1400">
-                <a:solidFill>
-                  <a:srgbClr val="0070C0"/>
-                </a:solidFill>
-              </a:defRPr>
-            </a:lvl1pPr>
-          </a:lstStyle>
-          <a:p>
-            <a:pPr algn="ctr"/>
-            <a:r>
-              <a:rPr lang="en-US" dirty="0"/>
-              <a:t>parseCommand(“find employee john”)</a:t>
-            </a:r>
-          </a:p>
-        </p:txBody>
-      </p:sp>
-      <p:sp>
-        <p:nvSpPr>
-          <p:cNvPr id="82" name="TextBox 81"/>
-          <p:cNvSpPr txBox="1"/>
-          <p:nvPr/>
-        </p:nvSpPr>
-        <p:spPr>
-          <a:xfrm>
-            <a:off x="3994190" y="4503175"/>
-            <a:ext cx="621216" cy="215444"/>
-          </a:xfrm>
-          <a:prstGeom prst="rect">
-            <a:avLst/>
-          </a:prstGeom>
-          <a:noFill/>
-        </p:spPr>
-        <p:txBody>
-          <a:bodyPr wrap="square" lIns="0" tIns="0" rIns="0" bIns="0" rtlCol="0">
-            <a:spAutoFit/>
-          </a:bodyPr>
-          <a:lstStyle>
-            <a:defPPr>
-              <a:defRPr lang="en-US"/>
-            </a:defPPr>
-            <a:lvl1pPr algn="r">
-              <a:defRPr sz="1400">
-                <a:solidFill>
-                  <a:srgbClr val="0070C0"/>
-                </a:solidFill>
-              </a:defRPr>
-            </a:lvl1pPr>
-          </a:lstStyle>
-          <a:p>
-            <a:r>
-              <a:rPr lang="en-US" dirty="0"/>
-              <a:t>result</a:t>
-            </a:r>
-          </a:p>
-        </p:txBody>
-      </p:sp>
-      <p:sp>
-        <p:nvSpPr>
-          <p:cNvPr id="83" name="TextBox 82"/>
-          <p:cNvSpPr txBox="1"/>
-          <p:nvPr/>
-        </p:nvSpPr>
-        <p:spPr>
-          <a:xfrm>
-            <a:off x="634103" y="4692408"/>
-            <a:ext cx="762000" cy="215444"/>
-          </a:xfrm>
-          <a:prstGeom prst="rect">
-            <a:avLst/>
-          </a:prstGeom>
-          <a:noFill/>
-        </p:spPr>
-        <p:txBody>
-          <a:bodyPr wrap="square" lIns="0" tIns="0" rIns="0" bIns="0" rtlCol="0">
-            <a:spAutoFit/>
-          </a:bodyPr>
-          <a:lstStyle>
-            <a:defPPr>
-              <a:defRPr lang="en-US"/>
-            </a:defPPr>
-            <a:lvl1pPr algn="r">
-              <a:defRPr sz="1400">
-                <a:solidFill>
-                  <a:srgbClr val="0070C0"/>
-                </a:solidFill>
-              </a:defRPr>
-            </a:lvl1pPr>
-          </a:lstStyle>
-          <a:p>
-            <a:r>
-              <a:rPr lang="en-US" dirty="0"/>
-              <a:t>result</a:t>
-            </a:r>
-          </a:p>
-        </p:txBody>
-      </p:sp>
-      <p:sp>
-        <p:nvSpPr>
-          <p:cNvPr id="86" name="Rectangle 85"/>
-          <p:cNvSpPr/>
-          <p:nvPr/>
-        </p:nvSpPr>
-        <p:spPr>
-          <a:xfrm>
-            <a:off x="11982386" y="3865822"/>
-            <a:ext cx="168896" cy="325178"/>
-          </a:xfrm>
-          <a:prstGeom prst="rect">
-            <a:avLst/>
-          </a:prstGeom>
-          <a:solidFill>
-            <a:srgbClr val="7030A0"/>
-          </a:solidFill>
-          <a:ln>
-            <a:solidFill>
-              <a:srgbClr val="7030A0"/>
-            </a:solidFill>
-          </a:ln>
-          <a:effectLst/>
-        </p:spPr>
-        <p:style>
-          <a:lnRef idx="1">
-            <a:schemeClr val="accent3"/>
-          </a:lnRef>
-          <a:fillRef idx="2">
-            <a:schemeClr val="accent3"/>
-          </a:fillRef>
-          <a:effectRef idx="1">
-            <a:schemeClr val="accent3"/>
-          </a:effectRef>
-          <a:fontRef idx="minor">
-            <a:schemeClr val="dk1"/>
-          </a:fontRef>
-        </p:style>
-        <p:txBody>
-          <a:bodyPr rtlCol="0" anchor="ctr"/>
-          <a:lstStyle/>
-          <a:p>
-            <a:pPr algn="ctr"/>
-            <a:endParaRPr lang="en-SG" sz="1400"/>
-          </a:p>
-        </p:txBody>
-      </p:sp>
-      <p:sp>
-        <p:nvSpPr>
-          <p:cNvPr id="93" name="TextBox 92"/>
-          <p:cNvSpPr txBox="1"/>
-          <p:nvPr/>
-        </p:nvSpPr>
-        <p:spPr>
-          <a:xfrm>
-            <a:off x="2226618" y="2804887"/>
-            <a:ext cx="995847" cy="215444"/>
-          </a:xfrm>
-          <a:prstGeom prst="rect">
-            <a:avLst/>
-          </a:prstGeom>
-          <a:noFill/>
-        </p:spPr>
-        <p:txBody>
-          <a:bodyPr wrap="square" lIns="0" tIns="0" rIns="0" bIns="0" rtlCol="0">
-            <a:spAutoFit/>
-          </a:bodyPr>
-          <a:lstStyle>
-            <a:defPPr>
-              <a:defRPr lang="en-US"/>
-            </a:defPPr>
-            <a:lvl1pPr algn="r">
-              <a:defRPr sz="1400">
-                <a:solidFill>
-                  <a:srgbClr val="0070C0"/>
-                </a:solidFill>
-              </a:defRPr>
-            </a:lvl1pPr>
-          </a:lstStyle>
-          <a:p>
-            <a:r>
-              <a:rPr lang="en-US" dirty="0"/>
-              <a:t>command</a:t>
-            </a:r>
-          </a:p>
-        </p:txBody>
-      </p:sp>
-      <p:sp>
-        <p:nvSpPr>
-          <p:cNvPr id="40" name="Rectangle 62"/>
-          <p:cNvSpPr/>
-          <p:nvPr/>
-        </p:nvSpPr>
-        <p:spPr>
-          <a:xfrm>
-            <a:off x="9770672" y="3020331"/>
-            <a:ext cx="841636" cy="300180"/>
-          </a:xfrm>
-          <a:prstGeom prst="rect">
-            <a:avLst/>
-          </a:prstGeom>
-          <a:solidFill>
-            <a:srgbClr val="7030A0"/>
-          </a:solidFill>
-          <a:ln w="19050">
-            <a:solidFill>
-              <a:srgbClr val="7030A0"/>
-            </a:solidFill>
-          </a:ln>
-          <a:effectLst/>
-        </p:spPr>
-        <p:style>
-          <a:lnRef idx="1">
-            <a:schemeClr val="accent2"/>
-          </a:lnRef>
-          <a:fillRef idx="2">
-            <a:schemeClr val="accent2"/>
-          </a:fillRef>
-          <a:effectRef idx="1">
-            <a:schemeClr val="accent2"/>
-          </a:effectRef>
-          <a:fontRef idx="minor">
-            <a:schemeClr val="dk1"/>
-          </a:fontRef>
-        </p:style>
-        <p:txBody>
-          <a:bodyPr rtlCol="0" anchor="ctr"/>
-          <a:lstStyle/>
-          <a:p>
-            <a:pPr algn="ctr"/>
-            <a:r>
-              <a:rPr lang="en-US" sz="1600" dirty="0">
-                <a:solidFill>
-                  <a:schemeClr val="bg1"/>
-                </a:solidFill>
-              </a:rPr>
-              <a:t>: Model</a:t>
-            </a:r>
-            <a:endParaRPr lang="en-SG" sz="1600" dirty="0">
-              <a:solidFill>
-                <a:schemeClr val="bg1"/>
-              </a:solidFill>
-            </a:endParaRPr>
-          </a:p>
-        </p:txBody>
-      </p:sp>
-      <p:cxnSp>
-        <p:nvCxnSpPr>
-          <p:cNvPr id="46" name="Straight Connector 45"/>
-          <p:cNvCxnSpPr>
-            <a:cxnSpLocks/>
-          </p:cNvCxnSpPr>
-          <p:nvPr/>
-        </p:nvCxnSpPr>
-        <p:spPr>
-          <a:xfrm>
-            <a:off x="10237605" y="3228099"/>
-            <a:ext cx="17381" cy="2256564"/>
-          </a:xfrm>
-          <a:prstGeom prst="line">
-            <a:avLst/>
-          </a:prstGeom>
-          <a:ln w="19050">
-            <a:solidFill>
-              <a:srgbClr val="7030A0"/>
-            </a:solidFill>
-            <a:prstDash val="sysDash"/>
-          </a:ln>
-          <a:effectLst/>
-        </p:spPr>
-        <p:style>
-          <a:lnRef idx="1">
-            <a:schemeClr val="accent1"/>
-          </a:lnRef>
-          <a:fillRef idx="2">
-            <a:schemeClr val="accent1"/>
-          </a:fillRef>
-          <a:effectRef idx="1">
-            <a:schemeClr val="accent1"/>
-          </a:effectRef>
-          <a:fontRef idx="minor">
-            <a:schemeClr val="dk1"/>
-          </a:fontRef>
-        </p:style>
-      </p:cxnSp>
-      <p:sp>
-        <p:nvSpPr>
-          <p:cNvPr id="49" name="Rectangle 48"/>
-          <p:cNvSpPr/>
-          <p:nvPr/>
-        </p:nvSpPr>
-        <p:spPr>
-          <a:xfrm>
-            <a:off x="10134681" y="3532899"/>
-            <a:ext cx="168896" cy="775693"/>
-          </a:xfrm>
-          <a:prstGeom prst="rect">
-            <a:avLst/>
-          </a:prstGeom>
-          <a:solidFill>
-            <a:srgbClr val="7030A0"/>
-          </a:solidFill>
-          <a:ln>
-            <a:solidFill>
-              <a:srgbClr val="7030A0"/>
-            </a:solidFill>
-          </a:ln>
-          <a:effectLst/>
-        </p:spPr>
-        <p:style>
-          <a:lnRef idx="1">
-            <a:schemeClr val="accent3"/>
-          </a:lnRef>
-          <a:fillRef idx="2">
-            <a:schemeClr val="accent3"/>
-          </a:fillRef>
-          <a:effectRef idx="1">
-            <a:schemeClr val="accent3"/>
-          </a:effectRef>
-          <a:fontRef idx="minor">
-            <a:schemeClr val="dk1"/>
-          </a:fontRef>
-        </p:style>
-        <p:txBody>
-          <a:bodyPr rtlCol="0" anchor="ctr"/>
-          <a:lstStyle/>
-          <a:p>
-            <a:pPr algn="ctr"/>
-            <a:endParaRPr lang="en-SG" sz="1400"/>
-          </a:p>
-        </p:txBody>
-      </p:sp>
-      <p:cxnSp>
-        <p:nvCxnSpPr>
-          <p:cNvPr id="50" name="Straight Arrow Connector 49"/>
-          <p:cNvCxnSpPr>
-            <a:cxnSpLocks/>
-          </p:cNvCxnSpPr>
-          <p:nvPr/>
-        </p:nvCxnSpPr>
-        <p:spPr>
-          <a:xfrm>
-            <a:off x="8072528" y="3766920"/>
-            <a:ext cx="2003291" cy="0"/>
-          </a:xfrm>
-          <a:prstGeom prst="straightConnector1">
-            <a:avLst/>
-          </a:prstGeom>
-          <a:ln w="19050">
-            <a:solidFill>
-              <a:srgbClr val="0070C0"/>
-            </a:solidFill>
-            <a:tailEnd type="arrow"/>
-          </a:ln>
-        </p:spPr>
-        <p:style>
-          <a:lnRef idx="1">
-            <a:schemeClr val="accent1"/>
-          </a:lnRef>
-          <a:fillRef idx="0">
-            <a:schemeClr val="accent1"/>
-          </a:fillRef>
-          <a:effectRef idx="0">
-            <a:schemeClr val="accent1"/>
-          </a:effectRef>
-          <a:fontRef idx="minor">
-            <a:schemeClr val="tx1"/>
-          </a:fontRef>
-        </p:style>
-      </p:cxnSp>
-      <p:cxnSp>
-        <p:nvCxnSpPr>
-          <p:cNvPr id="66" name="Straight Arrow Connector 65">
-            <a:extLst>
-              <a:ext uri="{FF2B5EF4-FFF2-40B4-BE49-F238E27FC236}">
-                <a16:creationId xmlns:a16="http://schemas.microsoft.com/office/drawing/2014/main" id="{39916E2E-195A-4DC8-B025-B05FA87E6796}"/>
-              </a:ext>
-            </a:extLst>
-          </p:cNvPr>
-          <p:cNvCxnSpPr>
-            <a:cxnSpLocks/>
-          </p:cNvCxnSpPr>
-          <p:nvPr/>
-        </p:nvCxnSpPr>
-        <p:spPr>
-          <a:xfrm>
-            <a:off x="1610959" y="3535368"/>
-            <a:ext cx="6274510" cy="0"/>
-          </a:xfrm>
-          <a:prstGeom prst="straightConnector1">
-            <a:avLst/>
-          </a:prstGeom>
-          <a:ln w="19050">
-            <a:solidFill>
-              <a:srgbClr val="0070C0"/>
-            </a:solidFill>
-            <a:tailEnd type="arrow"/>
-          </a:ln>
-        </p:spPr>
-        <p:style>
-          <a:lnRef idx="1">
-            <a:schemeClr val="accent1"/>
-          </a:lnRef>
-          <a:fillRef idx="0">
-            <a:schemeClr val="accent1"/>
-          </a:fillRef>
-          <a:effectRef idx="0">
-            <a:schemeClr val="accent1"/>
-          </a:effectRef>
-          <a:fontRef idx="minor">
-            <a:schemeClr val="tx1"/>
-          </a:fontRef>
-        </p:style>
-      </p:cxnSp>
-      <p:cxnSp>
-        <p:nvCxnSpPr>
-          <p:cNvPr id="67" name="Straight Arrow Connector 66">
-            <a:extLst>
-              <a:ext uri="{FF2B5EF4-FFF2-40B4-BE49-F238E27FC236}">
-                <a16:creationId xmlns:a16="http://schemas.microsoft.com/office/drawing/2014/main" id="{D881596E-177C-4FDC-8E60-CAB90B3D5FAB}"/>
-              </a:ext>
-            </a:extLst>
-          </p:cNvPr>
-          <p:cNvCxnSpPr>
-            <a:cxnSpLocks/>
-          </p:cNvCxnSpPr>
-          <p:nvPr/>
-        </p:nvCxnSpPr>
-        <p:spPr>
-          <a:xfrm>
-            <a:off x="1720913" y="1431676"/>
-            <a:ext cx="2256705" cy="1"/>
-          </a:xfrm>
-          <a:prstGeom prst="straightConnector1">
-            <a:avLst/>
-          </a:prstGeom>
-          <a:ln w="19050">
-            <a:solidFill>
-              <a:srgbClr val="0070C0"/>
-            </a:solidFill>
-            <a:tailEnd type="arrow"/>
-          </a:ln>
-        </p:spPr>
-        <p:style>
-          <a:lnRef idx="1">
-            <a:schemeClr val="accent1"/>
-          </a:lnRef>
-          <a:fillRef idx="0">
-            <a:schemeClr val="accent1"/>
-          </a:fillRef>
-          <a:effectRef idx="0">
-            <a:schemeClr val="accent1"/>
-          </a:effectRef>
-          <a:fontRef idx="minor">
-            <a:schemeClr val="tx1"/>
-          </a:fontRef>
-        </p:style>
-      </p:cxnSp>
-      <p:cxnSp>
-        <p:nvCxnSpPr>
-          <p:cNvPr id="69" name="Straight Arrow Connector 68">
-            <a:extLst>
-              <a:ext uri="{FF2B5EF4-FFF2-40B4-BE49-F238E27FC236}">
-                <a16:creationId xmlns:a16="http://schemas.microsoft.com/office/drawing/2014/main" id="{7C9F21BC-13A9-471F-825A-2621FD36355F}"/>
-              </a:ext>
-            </a:extLst>
-          </p:cNvPr>
-          <p:cNvCxnSpPr>
-            <a:cxnSpLocks/>
-          </p:cNvCxnSpPr>
-          <p:nvPr/>
-        </p:nvCxnSpPr>
-        <p:spPr>
-          <a:xfrm>
-            <a:off x="1728917" y="4749806"/>
-            <a:ext cx="6179562" cy="0"/>
-          </a:xfrm>
-          <a:prstGeom prst="straightConnector1">
-            <a:avLst/>
-          </a:prstGeom>
-          <a:ln w="19050">
-            <a:solidFill>
-              <a:srgbClr val="0070C0"/>
-            </a:solidFill>
-            <a:prstDash val="sysDash"/>
-            <a:headEnd type="arrow" w="med" len="med"/>
-            <a:tailEnd type="none" w="med" len="med"/>
-          </a:ln>
-        </p:spPr>
-        <p:style>
-          <a:lnRef idx="1">
-            <a:schemeClr val="accent1"/>
-          </a:lnRef>
-          <a:fillRef idx="0">
-            <a:schemeClr val="accent1"/>
-          </a:fillRef>
-          <a:effectRef idx="0">
-            <a:schemeClr val="accent1"/>
-          </a:effectRef>
-          <a:fontRef idx="minor">
-            <a:schemeClr val="tx1"/>
-          </a:fontRef>
-        </p:style>
-      </p:cxnSp>
-      <p:sp>
-        <p:nvSpPr>
-          <p:cNvPr id="88" name="TextBox 87">
-            <a:extLst>
-              <a:ext uri="{FF2B5EF4-FFF2-40B4-BE49-F238E27FC236}">
-                <a16:creationId xmlns:a16="http://schemas.microsoft.com/office/drawing/2014/main" id="{B85C6184-7378-4E89-A338-72B1E5056F4F}"/>
-              </a:ext>
-            </a:extLst>
-          </p:cNvPr>
-          <p:cNvSpPr txBox="1"/>
-          <p:nvPr/>
-        </p:nvSpPr>
-        <p:spPr>
-          <a:xfrm>
-            <a:off x="9774683" y="3655829"/>
-            <a:ext cx="2120786" cy="184666"/>
-          </a:xfrm>
-          <a:prstGeom prst="rect">
-            <a:avLst/>
-          </a:prstGeom>
-          <a:noFill/>
-        </p:spPr>
-        <p:txBody>
-          <a:bodyPr wrap="square" lIns="0" tIns="0" rIns="0" bIns="0" rtlCol="0">
-            <a:spAutoFit/>
-          </a:bodyPr>
-          <a:lstStyle>
-            <a:defPPr>
-              <a:defRPr lang="en-US"/>
-            </a:defPPr>
-            <a:lvl1pPr algn="r">
-              <a:defRPr sz="1400">
-                <a:solidFill>
-                  <a:srgbClr val="0070C0"/>
-                </a:solidFill>
-              </a:defRPr>
-            </a:lvl1pPr>
-          </a:lstStyle>
-          <a:p>
-            <a:r>
-              <a:rPr lang="en-US" sz="1200" dirty="0">
-                <a:solidFill>
-                  <a:srgbClr val="7030A0"/>
-                </a:solidFill>
-              </a:rPr>
-              <a:t>setPredicate(predicate)</a:t>
-            </a:r>
-            <a:endParaRPr lang="en-US" sz="1200" dirty="0"/>
-          </a:p>
-        </p:txBody>
-      </p:sp>
-      <p:cxnSp>
-        <p:nvCxnSpPr>
-          <p:cNvPr id="89" name="Straight Connector 88">
-            <a:extLst>
-              <a:ext uri="{FF2B5EF4-FFF2-40B4-BE49-F238E27FC236}">
-                <a16:creationId xmlns:a16="http://schemas.microsoft.com/office/drawing/2014/main" id="{E4E1C8CA-49DF-45D8-80A5-D5C8282EE927}"/>
-              </a:ext>
-            </a:extLst>
-          </p:cNvPr>
-          <p:cNvCxnSpPr>
-            <a:cxnSpLocks/>
-          </p:cNvCxnSpPr>
-          <p:nvPr/>
-        </p:nvCxnSpPr>
-        <p:spPr>
-          <a:xfrm>
-            <a:off x="12087282" y="3376344"/>
-            <a:ext cx="10108" cy="2031230"/>
-          </a:xfrm>
-          <a:prstGeom prst="line">
-            <a:avLst/>
-          </a:prstGeom>
-          <a:ln w="19050">
-            <a:solidFill>
-              <a:srgbClr val="7030A0"/>
-            </a:solidFill>
-            <a:prstDash val="sysDash"/>
-          </a:ln>
-          <a:effectLst/>
-        </p:spPr>
-        <p:style>
-          <a:lnRef idx="1">
-            <a:schemeClr val="accent1"/>
-          </a:lnRef>
-          <a:fillRef idx="2">
-            <a:schemeClr val="accent1"/>
-          </a:fillRef>
-          <a:effectRef idx="1">
-            <a:schemeClr val="accent1"/>
-          </a:effectRef>
-          <a:fontRef idx="minor">
-            <a:schemeClr val="dk1"/>
-          </a:fontRef>
-        </p:style>
-      </p:cxnSp>
-      <p:cxnSp>
-        <p:nvCxnSpPr>
-          <p:cNvPr id="60" name="Straight Arrow Connector 59">
-            <a:extLst>
-              <a:ext uri="{FF2B5EF4-FFF2-40B4-BE49-F238E27FC236}">
-                <a16:creationId xmlns:a16="http://schemas.microsoft.com/office/drawing/2014/main" id="{7C9F21BC-13A9-471F-825A-2621FD36355F}"/>
-              </a:ext>
-            </a:extLst>
-          </p:cNvPr>
-          <p:cNvCxnSpPr>
-            <a:cxnSpLocks/>
-          </p:cNvCxnSpPr>
-          <p:nvPr/>
-        </p:nvCxnSpPr>
-        <p:spPr>
-          <a:xfrm flipV="1">
-            <a:off x="10322972" y="4184676"/>
-            <a:ext cx="1626465" cy="6324"/>
-          </a:xfrm>
-          <a:prstGeom prst="straightConnector1">
-            <a:avLst/>
-          </a:prstGeom>
-          <a:ln w="19050">
-            <a:solidFill>
-              <a:srgbClr val="7030A0"/>
-            </a:solidFill>
-            <a:prstDash val="sysDash"/>
-            <a:headEnd type="arrow" w="med" len="med"/>
-            <a:tailEnd type="none" w="med" len="med"/>
-          </a:ln>
-        </p:spPr>
-        <p:style>
-          <a:lnRef idx="1">
-            <a:schemeClr val="accent1"/>
-          </a:lnRef>
-          <a:fillRef idx="0">
-            <a:schemeClr val="accent1"/>
-          </a:fillRef>
-          <a:effectRef idx="0">
-            <a:schemeClr val="accent1"/>
-          </a:effectRef>
-          <a:fontRef idx="minor">
-            <a:schemeClr val="tx1"/>
-          </a:fontRef>
-        </p:style>
-      </p:cxnSp>
-      <p:cxnSp>
-        <p:nvCxnSpPr>
-          <p:cNvPr id="63" name="Straight Arrow Connector 62">
-            <a:extLst>
-              <a:ext uri="{FF2B5EF4-FFF2-40B4-BE49-F238E27FC236}">
-                <a16:creationId xmlns:a16="http://schemas.microsoft.com/office/drawing/2014/main" id="{7C9F21BC-13A9-471F-825A-2621FD36355F}"/>
-              </a:ext>
-            </a:extLst>
-          </p:cNvPr>
-          <p:cNvCxnSpPr>
-            <a:cxnSpLocks/>
-            <a:endCxn id="49" idx="2"/>
-          </p:cNvCxnSpPr>
-          <p:nvPr/>
-        </p:nvCxnSpPr>
-        <p:spPr>
-          <a:xfrm>
-            <a:off x="8069801" y="4308592"/>
-            <a:ext cx="2149328" cy="0"/>
-          </a:xfrm>
-          <a:prstGeom prst="straightConnector1">
-            <a:avLst/>
-          </a:prstGeom>
-          <a:ln w="19050">
-            <a:solidFill>
-              <a:srgbClr val="7030A0"/>
-            </a:solidFill>
-            <a:prstDash val="sysDash"/>
-            <a:headEnd type="arrow" w="med" len="med"/>
-            <a:tailEnd type="none" w="med" len="med"/>
-          </a:ln>
-        </p:spPr>
-        <p:style>
-          <a:lnRef idx="1">
-            <a:schemeClr val="accent1"/>
-          </a:lnRef>
-          <a:fillRef idx="0">
-            <a:schemeClr val="accent1"/>
-          </a:fillRef>
-          <a:effectRef idx="0">
-            <a:schemeClr val="accent1"/>
-          </a:effectRef>
-          <a:fontRef idx="minor">
-            <a:schemeClr val="tx1"/>
-          </a:fontRef>
-        </p:style>
-      </p:cxnSp>
-      <p:sp>
-        <p:nvSpPr>
-          <p:cNvPr id="43" name="Rectangle 62">
-            <a:extLst>
-              <a:ext uri="{FF2B5EF4-FFF2-40B4-BE49-F238E27FC236}">
-                <a16:creationId xmlns:a16="http://schemas.microsoft.com/office/drawing/2014/main" id="{78BA848F-32B3-47A3-95EE-01CB50342456}"/>
-              </a:ext>
-            </a:extLst>
-          </p:cNvPr>
-          <p:cNvSpPr/>
-          <p:nvPr/>
-        </p:nvSpPr>
-        <p:spPr>
-          <a:xfrm>
-            <a:off x="4989433" y="1200907"/>
-            <a:ext cx="2027150" cy="461538"/>
-          </a:xfrm>
-          <a:prstGeom prst="rect">
-            <a:avLst/>
-          </a:prstGeom>
-          <a:solidFill>
-            <a:srgbClr val="0070C0"/>
-          </a:solidFill>
-          <a:ln w="19050">
-            <a:solidFill>
-              <a:srgbClr val="0070C0"/>
-            </a:solidFill>
-          </a:ln>
-          <a:effectLst/>
-        </p:spPr>
-        <p:style>
-          <a:lnRef idx="1">
-            <a:schemeClr val="accent2"/>
-          </a:lnRef>
-          <a:fillRef idx="2">
-            <a:schemeClr val="accent2"/>
-          </a:fillRef>
-          <a:effectRef idx="1">
-            <a:schemeClr val="accent2"/>
-          </a:effectRef>
-          <a:fontRef idx="minor">
-            <a:schemeClr val="dk1"/>
-          </a:fontRef>
-        </p:style>
-        <p:txBody>
-          <a:bodyPr rtlCol="0" anchor="ctr"/>
-          <a:lstStyle/>
-          <a:p>
-            <a:pPr algn="ctr"/>
-            <a:r>
-              <a:rPr lang="en-SG" sz="1600" dirty="0">
-                <a:solidFill>
-                  <a:schemeClr val="bg1"/>
-                </a:solidFill>
-              </a:rPr>
-              <a:t>:FindCommandParser</a:t>
-            </a:r>
-          </a:p>
-        </p:txBody>
-      </p:sp>
-      <p:cxnSp>
-        <p:nvCxnSpPr>
-          <p:cNvPr id="48" name="Straight Arrow Connector 47">
-            <a:extLst>
-              <a:ext uri="{FF2B5EF4-FFF2-40B4-BE49-F238E27FC236}">
-                <a16:creationId xmlns:a16="http://schemas.microsoft.com/office/drawing/2014/main" id="{E5D7E24C-07DB-490B-B196-E733352FAC5B}"/>
-              </a:ext>
-            </a:extLst>
-          </p:cNvPr>
-          <p:cNvCxnSpPr>
-            <a:cxnSpLocks/>
-          </p:cNvCxnSpPr>
-          <p:nvPr/>
-        </p:nvCxnSpPr>
-        <p:spPr>
-          <a:xfrm>
-            <a:off x="4164999" y="1849597"/>
-            <a:ext cx="1770073" cy="0"/>
-          </a:xfrm>
-          <a:prstGeom prst="straightConnector1">
-            <a:avLst/>
-          </a:prstGeom>
-          <a:ln w="19050">
-            <a:solidFill>
-              <a:srgbClr val="0070C0"/>
-            </a:solidFill>
-            <a:prstDash val="sysDash"/>
-            <a:headEnd type="arrow" w="med" len="med"/>
-            <a:tailEnd type="none" w="med" len="med"/>
-          </a:ln>
-        </p:spPr>
-        <p:style>
-          <a:lnRef idx="1">
-            <a:schemeClr val="accent1"/>
-          </a:lnRef>
-          <a:fillRef idx="0">
-            <a:schemeClr val="accent1"/>
-          </a:fillRef>
-          <a:effectRef idx="0">
-            <a:schemeClr val="accent1"/>
-          </a:effectRef>
-          <a:fontRef idx="minor">
-            <a:schemeClr val="tx1"/>
-          </a:fontRef>
-        </p:style>
-      </p:cxnSp>
-      <p:cxnSp>
-        <p:nvCxnSpPr>
-          <p:cNvPr id="53" name="Straight Connector 52">
-            <a:extLst>
-              <a:ext uri="{FF2B5EF4-FFF2-40B4-BE49-F238E27FC236}">
-                <a16:creationId xmlns:a16="http://schemas.microsoft.com/office/drawing/2014/main" id="{8232A036-0E00-4DE0-A0AC-31C35CEC6205}"/>
-              </a:ext>
-            </a:extLst>
-          </p:cNvPr>
-          <p:cNvCxnSpPr>
-            <a:cxnSpLocks/>
-          </p:cNvCxnSpPr>
-          <p:nvPr/>
-        </p:nvCxnSpPr>
-        <p:spPr>
-          <a:xfrm flipH="1">
-            <a:off x="6020324" y="1662445"/>
-            <a:ext cx="9994" cy="1774975"/>
-          </a:xfrm>
-          <a:prstGeom prst="line">
-            <a:avLst/>
-          </a:prstGeom>
-          <a:ln w="19050">
-            <a:solidFill>
-              <a:srgbClr val="0070C0"/>
-            </a:solidFill>
-            <a:prstDash val="sysDash"/>
-          </a:ln>
-          <a:effectLst/>
-        </p:spPr>
-        <p:style>
-          <a:lnRef idx="1">
-            <a:schemeClr val="accent1"/>
-          </a:lnRef>
-          <a:fillRef idx="2">
-            <a:schemeClr val="accent1"/>
-          </a:fillRef>
-          <a:effectRef idx="1">
-            <a:schemeClr val="accent1"/>
-          </a:effectRef>
-          <a:fontRef idx="minor">
-            <a:schemeClr val="dk1"/>
-          </a:fontRef>
-        </p:style>
-      </p:cxnSp>
-      <p:sp>
-        <p:nvSpPr>
-          <p:cNvPr id="64" name="Rectangle 63">
-            <a:extLst>
-              <a:ext uri="{FF2B5EF4-FFF2-40B4-BE49-F238E27FC236}">
-                <a16:creationId xmlns:a16="http://schemas.microsoft.com/office/drawing/2014/main" id="{59A1CFF0-74D7-4C44-95C0-9E7BD9278D1A}"/>
-              </a:ext>
-            </a:extLst>
-          </p:cNvPr>
-          <p:cNvSpPr/>
-          <p:nvPr/>
-        </p:nvSpPr>
-        <p:spPr>
-          <a:xfrm>
-            <a:off x="7899786" y="2406486"/>
-            <a:ext cx="152400" cy="276003"/>
-          </a:xfrm>
-          <a:prstGeom prst="rect">
-            <a:avLst/>
-          </a:prstGeom>
-          <a:solidFill>
-            <a:srgbClr val="0070C0"/>
-          </a:solidFill>
-          <a:ln>
-            <a:solidFill>
-              <a:srgbClr val="0070C0"/>
-            </a:solidFill>
-          </a:ln>
-          <a:effectLst/>
-        </p:spPr>
-        <p:style>
-          <a:lnRef idx="1">
-            <a:schemeClr val="accent3"/>
-          </a:lnRef>
-          <a:fillRef idx="2">
-            <a:schemeClr val="accent3"/>
-          </a:fillRef>
-          <a:effectRef idx="1">
-            <a:schemeClr val="accent3"/>
-          </a:effectRef>
-          <a:fontRef idx="minor">
-            <a:schemeClr val="dk1"/>
-          </a:fontRef>
-        </p:style>
-        <p:txBody>
-          <a:bodyPr rtlCol="0" anchor="ctr"/>
-          <a:lstStyle/>
-          <a:p>
-            <a:pPr algn="ctr"/>
-            <a:endParaRPr lang="en-SG" sz="1400"/>
-          </a:p>
-        </p:txBody>
-      </p:sp>
-      <p:sp>
-        <p:nvSpPr>
-          <p:cNvPr id="58" name="Rectangle 57">
-            <a:extLst>
-              <a:ext uri="{FF2B5EF4-FFF2-40B4-BE49-F238E27FC236}">
-                <a16:creationId xmlns:a16="http://schemas.microsoft.com/office/drawing/2014/main" id="{C72BA4DC-3EB4-46E8-A8DE-98A94864D3FD}"/>
-              </a:ext>
-            </a:extLst>
-          </p:cNvPr>
-          <p:cNvSpPr/>
-          <p:nvPr/>
-        </p:nvSpPr>
-        <p:spPr>
-          <a:xfrm>
-            <a:off x="5947266" y="2216710"/>
-            <a:ext cx="146116" cy="719405"/>
-          </a:xfrm>
-          <a:prstGeom prst="rect">
-            <a:avLst/>
-          </a:prstGeom>
-          <a:solidFill>
-            <a:srgbClr val="0070C0"/>
-          </a:solidFill>
-          <a:ln>
-            <a:solidFill>
-              <a:srgbClr val="0070C0"/>
-            </a:solidFill>
-          </a:ln>
-          <a:effectLst/>
-        </p:spPr>
-        <p:style>
-          <a:lnRef idx="1">
-            <a:schemeClr val="accent3"/>
-          </a:lnRef>
-          <a:fillRef idx="2">
-            <a:schemeClr val="accent3"/>
-          </a:fillRef>
-          <a:effectRef idx="1">
-            <a:schemeClr val="accent3"/>
-          </a:effectRef>
-          <a:fontRef idx="minor">
-            <a:schemeClr val="dk1"/>
-          </a:fontRef>
-        </p:style>
-        <p:txBody>
-          <a:bodyPr rtlCol="0" anchor="ctr"/>
-          <a:lstStyle/>
-          <a:p>
-            <a:pPr algn="ctr"/>
-            <a:endParaRPr lang="en-SG" sz="1400"/>
-          </a:p>
-        </p:txBody>
-      </p:sp>
-      <p:sp>
-        <p:nvSpPr>
-          <p:cNvPr id="19" name="Rectangle 62"/>
-          <p:cNvSpPr/>
-          <p:nvPr/>
-        </p:nvSpPr>
-        <p:spPr>
-          <a:xfrm>
-            <a:off x="7283908" y="2031315"/>
-            <a:ext cx="1444794" cy="461538"/>
-          </a:xfrm>
-          <a:prstGeom prst="rect">
-            <a:avLst/>
-          </a:prstGeom>
-          <a:solidFill>
-            <a:srgbClr val="0070C0"/>
-          </a:solidFill>
-          <a:ln w="19050">
-            <a:solidFill>
-              <a:srgbClr val="0070C0"/>
-            </a:solidFill>
-          </a:ln>
-          <a:effectLst/>
-        </p:spPr>
-        <p:style>
-          <a:lnRef idx="1">
-            <a:schemeClr val="accent2"/>
-          </a:lnRef>
-          <a:fillRef idx="2">
-            <a:schemeClr val="accent2"/>
-          </a:fillRef>
-          <a:effectRef idx="1">
-            <a:schemeClr val="accent2"/>
-          </a:effectRef>
-          <a:fontRef idx="minor">
-            <a:schemeClr val="dk1"/>
-          </a:fontRef>
-        </p:style>
-        <p:txBody>
-          <a:bodyPr rtlCol="0" anchor="ctr"/>
-          <a:lstStyle/>
-          <a:p>
-            <a:pPr algn="ctr"/>
-            <a:r>
-              <a:rPr lang="en-US" sz="1600" dirty="0">
-                <a:solidFill>
-                  <a:schemeClr val="bg1"/>
-                </a:solidFill>
-              </a:rPr>
-              <a:t>command:FindCommand</a:t>
-            </a:r>
-            <a:endParaRPr lang="en-SG" sz="1600" dirty="0">
-              <a:solidFill>
-                <a:schemeClr val="bg1"/>
-              </a:solidFill>
-            </a:endParaRPr>
-          </a:p>
-        </p:txBody>
-      </p:sp>
-      <p:cxnSp>
-        <p:nvCxnSpPr>
-          <p:cNvPr id="68" name="Straight Arrow Connector 67">
-            <a:extLst>
-              <a:ext uri="{FF2B5EF4-FFF2-40B4-BE49-F238E27FC236}">
-                <a16:creationId xmlns:a16="http://schemas.microsoft.com/office/drawing/2014/main" id="{1C6710DB-F2B5-4304-920A-CE035B1E2073}"/>
-              </a:ext>
-            </a:extLst>
-          </p:cNvPr>
-          <p:cNvCxnSpPr>
-            <a:cxnSpLocks/>
-          </p:cNvCxnSpPr>
-          <p:nvPr/>
-        </p:nvCxnSpPr>
-        <p:spPr>
-          <a:xfrm>
-            <a:off x="6104173" y="2693684"/>
-            <a:ext cx="1770073" cy="0"/>
-          </a:xfrm>
-          <a:prstGeom prst="straightConnector1">
-            <a:avLst/>
-          </a:prstGeom>
-          <a:ln w="19050">
-            <a:solidFill>
-              <a:srgbClr val="0070C0"/>
-            </a:solidFill>
-            <a:prstDash val="sysDash"/>
-            <a:headEnd type="arrow" w="med" len="med"/>
-            <a:tailEnd type="none" w="med" len="med"/>
-          </a:ln>
-        </p:spPr>
-        <p:style>
-          <a:lnRef idx="1">
-            <a:schemeClr val="accent1"/>
-          </a:lnRef>
-          <a:fillRef idx="0">
-            <a:schemeClr val="accent1"/>
-          </a:fillRef>
-          <a:effectRef idx="0">
-            <a:schemeClr val="accent1"/>
-          </a:effectRef>
-          <a:fontRef idx="minor">
-            <a:schemeClr val="tx1"/>
-          </a:fontRef>
-        </p:style>
-      </p:cxnSp>
-      <p:cxnSp>
-        <p:nvCxnSpPr>
-          <p:cNvPr id="70" name="Straight Arrow Connector 69">
-            <a:extLst>
-              <a:ext uri="{FF2B5EF4-FFF2-40B4-BE49-F238E27FC236}">
-                <a16:creationId xmlns:a16="http://schemas.microsoft.com/office/drawing/2014/main" id="{5EBD9861-8CED-4FD2-A0C5-FAECBAB3F1BD}"/>
-              </a:ext>
-            </a:extLst>
-          </p:cNvPr>
-          <p:cNvCxnSpPr>
-            <a:cxnSpLocks/>
-          </p:cNvCxnSpPr>
-          <p:nvPr/>
-        </p:nvCxnSpPr>
-        <p:spPr>
-          <a:xfrm flipH="1" flipV="1">
-            <a:off x="4139674" y="2254319"/>
-            <a:ext cx="1782128" cy="14217"/>
-          </a:xfrm>
-          <a:prstGeom prst="straightConnector1">
-            <a:avLst/>
-          </a:prstGeom>
-          <a:ln w="19050">
-            <a:solidFill>
-              <a:srgbClr val="0070C0"/>
-            </a:solidFill>
-            <a:prstDash val="sysDash"/>
-            <a:headEnd type="arrow" w="med" len="med"/>
-            <a:tailEnd type="none" w="med" len="med"/>
-          </a:ln>
-        </p:spPr>
-        <p:style>
-          <a:lnRef idx="1">
-            <a:schemeClr val="accent1"/>
-          </a:lnRef>
-          <a:fillRef idx="0">
-            <a:schemeClr val="accent1"/>
-          </a:fillRef>
-          <a:effectRef idx="0">
-            <a:schemeClr val="accent1"/>
-          </a:effectRef>
-          <a:fontRef idx="minor">
-            <a:schemeClr val="tx1"/>
-          </a:fontRef>
-        </p:style>
-      </p:cxnSp>
-      <p:sp>
-        <p:nvSpPr>
-          <p:cNvPr id="73" name="TextBox 72">
-            <a:extLst>
-              <a:ext uri="{FF2B5EF4-FFF2-40B4-BE49-F238E27FC236}">
-                <a16:creationId xmlns:a16="http://schemas.microsoft.com/office/drawing/2014/main" id="{02D0BA73-4181-4E38-8281-523786A6358B}"/>
-              </a:ext>
-            </a:extLst>
-          </p:cNvPr>
-          <p:cNvSpPr txBox="1"/>
-          <p:nvPr/>
-        </p:nvSpPr>
-        <p:spPr>
-          <a:xfrm>
-            <a:off x="3862876" y="2031315"/>
-            <a:ext cx="2326867" cy="215444"/>
-          </a:xfrm>
-          <a:prstGeom prst="rect">
-            <a:avLst/>
-          </a:prstGeom>
-          <a:noFill/>
-        </p:spPr>
-        <p:txBody>
-          <a:bodyPr wrap="square" lIns="0" tIns="0" rIns="0" bIns="0" rtlCol="0">
-            <a:spAutoFit/>
-          </a:bodyPr>
-          <a:lstStyle>
-            <a:defPPr>
-              <a:defRPr lang="en-US"/>
-            </a:defPPr>
-            <a:lvl1pPr algn="r">
-              <a:defRPr sz="1400">
-                <a:solidFill>
-                  <a:srgbClr val="0070C0"/>
-                </a:solidFill>
-              </a:defRPr>
-            </a:lvl1pPr>
-          </a:lstStyle>
-          <a:p>
-            <a:pPr algn="ctr"/>
-            <a:r>
-              <a:rPr lang="en-US" dirty="0"/>
-              <a:t>parse(“employee John”)</a:t>
-            </a:r>
-          </a:p>
-        </p:txBody>
-      </p:sp>
-      <p:cxnSp>
-        <p:nvCxnSpPr>
-          <p:cNvPr id="74" name="Straight Arrow Connector 73">
-            <a:extLst>
-              <a:ext uri="{FF2B5EF4-FFF2-40B4-BE49-F238E27FC236}">
-                <a16:creationId xmlns:a16="http://schemas.microsoft.com/office/drawing/2014/main" id="{81604150-18A0-413F-AA96-C1D76B98D84B}"/>
-              </a:ext>
-            </a:extLst>
-          </p:cNvPr>
-          <p:cNvCxnSpPr>
-            <a:cxnSpLocks/>
-          </p:cNvCxnSpPr>
-          <p:nvPr/>
-        </p:nvCxnSpPr>
-        <p:spPr>
-          <a:xfrm>
-            <a:off x="4156211" y="2847832"/>
-            <a:ext cx="1770073" cy="0"/>
-          </a:xfrm>
-          <a:prstGeom prst="straightConnector1">
-            <a:avLst/>
-          </a:prstGeom>
-          <a:ln w="19050">
-            <a:solidFill>
-              <a:srgbClr val="0070C0"/>
-            </a:solidFill>
-            <a:prstDash val="sysDash"/>
-            <a:headEnd type="arrow" w="med" len="med"/>
-            <a:tailEnd type="none" w="med" len="med"/>
-          </a:ln>
-        </p:spPr>
-        <p:style>
-          <a:lnRef idx="1">
-            <a:schemeClr val="accent1"/>
-          </a:lnRef>
-          <a:fillRef idx="0">
-            <a:schemeClr val="accent1"/>
-          </a:fillRef>
-          <a:effectRef idx="0">
-            <a:schemeClr val="accent1"/>
-          </a:effectRef>
-          <a:fontRef idx="minor">
-            <a:schemeClr val="tx1"/>
-          </a:fontRef>
-        </p:style>
-      </p:cxnSp>
-      <p:sp>
-        <p:nvSpPr>
-          <p:cNvPr id="75" name="TextBox 74">
-            <a:extLst>
-              <a:ext uri="{FF2B5EF4-FFF2-40B4-BE49-F238E27FC236}">
-                <a16:creationId xmlns:a16="http://schemas.microsoft.com/office/drawing/2014/main" id="{C212F92C-7107-4099-B471-00563DF416B5}"/>
-              </a:ext>
-            </a:extLst>
-          </p:cNvPr>
-          <p:cNvSpPr txBox="1"/>
-          <p:nvPr/>
-        </p:nvSpPr>
-        <p:spPr>
-          <a:xfrm>
-            <a:off x="4402043" y="2613474"/>
-            <a:ext cx="995847" cy="215444"/>
-          </a:xfrm>
-          <a:prstGeom prst="rect">
-            <a:avLst/>
-          </a:prstGeom>
-          <a:noFill/>
-        </p:spPr>
-        <p:txBody>
-          <a:bodyPr wrap="square" lIns="0" tIns="0" rIns="0" bIns="0" rtlCol="0">
-            <a:spAutoFit/>
-          </a:bodyPr>
-          <a:lstStyle>
-            <a:defPPr>
-              <a:defRPr lang="en-US"/>
-            </a:defPPr>
-            <a:lvl1pPr algn="r">
-              <a:defRPr sz="1400">
-                <a:solidFill>
-                  <a:srgbClr val="0070C0"/>
-                </a:solidFill>
-              </a:defRPr>
-            </a:lvl1pPr>
-          </a:lstStyle>
-          <a:p>
-            <a:r>
-              <a:rPr lang="en-US" dirty="0"/>
-              <a:t>command</a:t>
-            </a:r>
-          </a:p>
-        </p:txBody>
-      </p:sp>
-      <p:sp>
-        <p:nvSpPr>
-          <p:cNvPr id="85" name="Rectangle 62">
-            <a:extLst>
-              <a:ext uri="{FF2B5EF4-FFF2-40B4-BE49-F238E27FC236}">
-                <a16:creationId xmlns:a16="http://schemas.microsoft.com/office/drawing/2014/main" id="{7DC6CA01-6578-451A-B8E7-27A2E8548990}"/>
-              </a:ext>
-            </a:extLst>
-          </p:cNvPr>
-          <p:cNvSpPr/>
-          <p:nvPr/>
-        </p:nvSpPr>
-        <p:spPr>
-          <a:xfrm>
-            <a:off x="10882312" y="2986953"/>
-            <a:ext cx="2300047" cy="450467"/>
-          </a:xfrm>
-          <a:prstGeom prst="rect">
-            <a:avLst/>
-          </a:prstGeom>
-          <a:solidFill>
-            <a:srgbClr val="7030A0"/>
-          </a:solidFill>
-          <a:ln w="19050">
-            <a:solidFill>
-              <a:srgbClr val="7030A0"/>
-            </a:solidFill>
-          </a:ln>
-          <a:effectLst/>
-        </p:spPr>
-        <p:style>
-          <a:lnRef idx="1">
-            <a:schemeClr val="accent2"/>
-          </a:lnRef>
-          <a:fillRef idx="2">
-            <a:schemeClr val="accent2"/>
-          </a:fillRef>
-          <a:effectRef idx="1">
-            <a:schemeClr val="accent2"/>
-          </a:effectRef>
-          <a:fontRef idx="minor">
-            <a:schemeClr val="dk1"/>
-          </a:fontRef>
-        </p:style>
-        <p:txBody>
-          <a:bodyPr rtlCol="0" anchor="ctr"/>
-          <a:lstStyle/>
-          <a:p>
-            <a:pPr algn="ctr"/>
-            <a:r>
-              <a:rPr lang="en-US" sz="1600" dirty="0">
-                <a:solidFill>
-                  <a:schemeClr val="bg1"/>
-                </a:solidFill>
-              </a:rPr>
-              <a:t>filteredemployee:FilteredList&lt;Employee&gt;</a:t>
-            </a:r>
-            <a:endParaRPr lang="en-SG" sz="1600" dirty="0">
-              <a:solidFill>
-                <a:schemeClr val="bg1"/>
-              </a:solidFill>
-            </a:endParaRPr>
-          </a:p>
-        </p:txBody>
-      </p:sp>
-      <p:cxnSp>
-        <p:nvCxnSpPr>
-          <p:cNvPr id="87" name="Straight Arrow Connector 86">
-            <a:extLst>
-              <a:ext uri="{FF2B5EF4-FFF2-40B4-BE49-F238E27FC236}">
-                <a16:creationId xmlns:a16="http://schemas.microsoft.com/office/drawing/2014/main" id="{789C3738-06E5-422E-8DFA-7EDFF9E80123}"/>
-              </a:ext>
-            </a:extLst>
-          </p:cNvPr>
-          <p:cNvCxnSpPr>
-            <a:cxnSpLocks/>
-          </p:cNvCxnSpPr>
-          <p:nvPr/>
-        </p:nvCxnSpPr>
-        <p:spPr>
-          <a:xfrm flipH="1">
-            <a:off x="10362439" y="3895922"/>
-            <a:ext cx="1626465" cy="0"/>
-          </a:xfrm>
-          <a:prstGeom prst="straightConnector1">
-            <a:avLst/>
-          </a:prstGeom>
-          <a:ln w="19050">
-            <a:solidFill>
-              <a:srgbClr val="7030A0"/>
-            </a:solidFill>
-            <a:prstDash val="sysDash"/>
-            <a:headEnd type="arrow" w="med" len="med"/>
-            <a:tailEnd type="none" w="med" len="med"/>
-          </a:ln>
-        </p:spPr>
-        <p:style>
-          <a:lnRef idx="1">
-            <a:schemeClr val="accent1"/>
-          </a:lnRef>
-          <a:fillRef idx="0">
-            <a:schemeClr val="accent1"/>
-          </a:fillRef>
-          <a:effectRef idx="0">
-            <a:schemeClr val="accent1"/>
-          </a:effectRef>
-          <a:fontRef idx="minor">
-            <a:schemeClr val="tx1"/>
-          </a:fontRef>
-        </p:style>
-      </p:cxnSp>
+              <a:prstDash val="sysDash"/>
+              <a:headEnd type="arrow" w="med" len="med"/>
+              <a:tailEnd type="none" w="med" len="med"/>
+            </a:ln>
+          </p:spPr>
+          <p:style>
+            <a:lnRef idx="1">
+              <a:schemeClr val="accent1"/>
+            </a:lnRef>
+            <a:fillRef idx="0">
+              <a:schemeClr val="accent1"/>
+            </a:fillRef>
+            <a:effectRef idx="0">
+              <a:schemeClr val="accent1"/>
+            </a:effectRef>
+            <a:fontRef idx="minor">
+              <a:schemeClr val="tx1"/>
+            </a:fontRef>
+          </p:style>
+        </p:cxnSp>
+      </p:grpSp>
     </p:spTree>
     <p:extLst>
       <p:ext uri="{BB962C8B-B14F-4D97-AF65-F5344CB8AC3E}">

--- a/docs/diagrams/FindCommandSequenceDigram.pptx
+++ b/docs/diagrams/FindCommandSequenceDigram.pptx
@@ -208,7 +208,7 @@
           <a:p>
             <a:fld id="{F5CC4B3F-88C1-4FFA-B1B6-F41C21DC6924}" type="datetimeFigureOut">
               <a:rPr lang="en-US" smtClean="0"/>
-              <a:t>3/17/2019</a:t>
+              <a:t>4/1/2019</a:t>
             </a:fld>
             <a:endParaRPr lang="en-US"/>
           </a:p>
@@ -738,7 +738,7 @@
           <a:p>
             <a:fld id="{78C97017-6FC3-485B-9764-EAC9E56C1D49}" type="datetimeFigureOut">
               <a:rPr lang="en-US" smtClean="0"/>
-              <a:t>3/17/2019</a:t>
+              <a:t>4/1/2019</a:t>
             </a:fld>
             <a:endParaRPr lang="en-US"/>
           </a:p>
@@ -906,7 +906,7 @@
           <a:p>
             <a:fld id="{78C97017-6FC3-485B-9764-EAC9E56C1D49}" type="datetimeFigureOut">
               <a:rPr lang="en-US" smtClean="0"/>
-              <a:t>3/17/2019</a:t>
+              <a:t>4/1/2019</a:t>
             </a:fld>
             <a:endParaRPr lang="en-US"/>
           </a:p>
@@ -1084,7 +1084,7 @@
           <a:p>
             <a:fld id="{78C97017-6FC3-485B-9764-EAC9E56C1D49}" type="datetimeFigureOut">
               <a:rPr lang="en-US" smtClean="0"/>
-              <a:t>3/17/2019</a:t>
+              <a:t>4/1/2019</a:t>
             </a:fld>
             <a:endParaRPr lang="en-US"/>
           </a:p>
@@ -1252,7 +1252,7 @@
           <a:p>
             <a:fld id="{78C97017-6FC3-485B-9764-EAC9E56C1D49}" type="datetimeFigureOut">
               <a:rPr lang="en-US" smtClean="0"/>
-              <a:t>3/17/2019</a:t>
+              <a:t>4/1/2019</a:t>
             </a:fld>
             <a:endParaRPr lang="en-US"/>
           </a:p>
@@ -1497,7 +1497,7 @@
           <a:p>
             <a:fld id="{78C97017-6FC3-485B-9764-EAC9E56C1D49}" type="datetimeFigureOut">
               <a:rPr lang="en-US" smtClean="0"/>
-              <a:t>3/17/2019</a:t>
+              <a:t>4/1/2019</a:t>
             </a:fld>
             <a:endParaRPr lang="en-US"/>
           </a:p>
@@ -1782,7 +1782,7 @@
           <a:p>
             <a:fld id="{78C97017-6FC3-485B-9764-EAC9E56C1D49}" type="datetimeFigureOut">
               <a:rPr lang="en-US" smtClean="0"/>
-              <a:t>3/17/2019</a:t>
+              <a:t>4/1/2019</a:t>
             </a:fld>
             <a:endParaRPr lang="en-US"/>
           </a:p>
@@ -2201,7 +2201,7 @@
           <a:p>
             <a:fld id="{78C97017-6FC3-485B-9764-EAC9E56C1D49}" type="datetimeFigureOut">
               <a:rPr lang="en-US" smtClean="0"/>
-              <a:t>3/17/2019</a:t>
+              <a:t>4/1/2019</a:t>
             </a:fld>
             <a:endParaRPr lang="en-US"/>
           </a:p>
@@ -2318,7 +2318,7 @@
           <a:p>
             <a:fld id="{78C97017-6FC3-485B-9764-EAC9E56C1D49}" type="datetimeFigureOut">
               <a:rPr lang="en-US" smtClean="0"/>
-              <a:t>3/17/2019</a:t>
+              <a:t>4/1/2019</a:t>
             </a:fld>
             <a:endParaRPr lang="en-US"/>
           </a:p>
@@ -2413,7 +2413,7 @@
           <a:p>
             <a:fld id="{78C97017-6FC3-485B-9764-EAC9E56C1D49}" type="datetimeFigureOut">
               <a:rPr lang="en-US" smtClean="0"/>
-              <a:t>3/17/2019</a:t>
+              <a:t>4/1/2019</a:t>
             </a:fld>
             <a:endParaRPr lang="en-US"/>
           </a:p>
@@ -2688,7 +2688,7 @@
           <a:p>
             <a:fld id="{78C97017-6FC3-485B-9764-EAC9E56C1D49}" type="datetimeFigureOut">
               <a:rPr lang="en-US" smtClean="0"/>
-              <a:t>3/17/2019</a:t>
+              <a:t>4/1/2019</a:t>
             </a:fld>
             <a:endParaRPr lang="en-US"/>
           </a:p>
@@ -2940,7 +2940,7 @@
           <a:p>
             <a:fld id="{78C97017-6FC3-485B-9764-EAC9E56C1D49}" type="datetimeFigureOut">
               <a:rPr lang="en-US" smtClean="0"/>
-              <a:t>3/17/2019</a:t>
+              <a:t>4/1/2019</a:t>
             </a:fld>
             <a:endParaRPr lang="en-US"/>
           </a:p>
@@ -3151,7 +3151,7 @@
           <a:p>
             <a:fld id="{78C97017-6FC3-485B-9764-EAC9E56C1D49}" type="datetimeFigureOut">
               <a:rPr lang="en-US" smtClean="0"/>
-              <a:t>3/17/2019</a:t>
+              <a:t>4/1/2019</a:t>
             </a:fld>
             <a:endParaRPr lang="en-US"/>
           </a:p>
@@ -3540,10 +3540,10 @@
         </p:nvGrpSpPr>
         <p:grpSpPr>
           <a:xfrm>
-            <a:off x="38100" y="163017"/>
-            <a:ext cx="13144259" cy="6271952"/>
-            <a:chOff x="38100" y="163017"/>
-            <a:chExt cx="13144259" cy="6271952"/>
+            <a:off x="-6917" y="163017"/>
+            <a:ext cx="13189276" cy="6271952"/>
+            <a:chOff x="-6917" y="163017"/>
+            <a:chExt cx="13189276" cy="6271952"/>
           </a:xfrm>
         </p:grpSpPr>
         <p:sp>
@@ -4092,8 +4092,8 @@
           </p:nvSpPr>
           <p:spPr>
             <a:xfrm>
-              <a:off x="38100" y="990600"/>
-              <a:ext cx="1424846" cy="215444"/>
+              <a:off x="-6917" y="1056191"/>
+              <a:ext cx="1424846" cy="430887"/>
             </a:xfrm>
             <a:prstGeom prst="rect">
               <a:avLst/>
@@ -4106,14 +4106,14 @@
             </a:bodyPr>
             <a:lstStyle/>
             <a:p>
-              <a:pPr algn="r"/>
+              <a:pPr algn="ctr"/>
               <a:r>
                 <a:rPr lang="en-US" sz="1400" dirty="0">
                   <a:solidFill>
                     <a:srgbClr val="0070C0"/>
                   </a:solidFill>
                 </a:rPr>
-                <a:t>execute(“undo”)</a:t>
+                <a:t>execute(“find employee John”)</a:t>
               </a:r>
             </a:p>
           </p:txBody>

--- a/docs/diagrams/FindCommandSequenceDigram.pptx
+++ b/docs/diagrams/FindCommandSequenceDigram.pptx
@@ -208,7 +208,7 @@
           <a:p>
             <a:fld id="{F5CC4B3F-88C1-4FFA-B1B6-F41C21DC6924}" type="datetimeFigureOut">
               <a:rPr lang="en-US" smtClean="0"/>
-              <a:t>4/1/2019</a:t>
+              <a:t>4/15/2019</a:t>
             </a:fld>
             <a:endParaRPr lang="en-US"/>
           </a:p>
@@ -738,7 +738,7 @@
           <a:p>
             <a:fld id="{78C97017-6FC3-485B-9764-EAC9E56C1D49}" type="datetimeFigureOut">
               <a:rPr lang="en-US" smtClean="0"/>
-              <a:t>4/1/2019</a:t>
+              <a:t>4/15/2019</a:t>
             </a:fld>
             <a:endParaRPr lang="en-US"/>
           </a:p>
@@ -906,7 +906,7 @@
           <a:p>
             <a:fld id="{78C97017-6FC3-485B-9764-EAC9E56C1D49}" type="datetimeFigureOut">
               <a:rPr lang="en-US" smtClean="0"/>
-              <a:t>4/1/2019</a:t>
+              <a:t>4/15/2019</a:t>
             </a:fld>
             <a:endParaRPr lang="en-US"/>
           </a:p>
@@ -1084,7 +1084,7 @@
           <a:p>
             <a:fld id="{78C97017-6FC3-485B-9764-EAC9E56C1D49}" type="datetimeFigureOut">
               <a:rPr lang="en-US" smtClean="0"/>
-              <a:t>4/1/2019</a:t>
+              <a:t>4/15/2019</a:t>
             </a:fld>
             <a:endParaRPr lang="en-US"/>
           </a:p>
@@ -1252,7 +1252,7 @@
           <a:p>
             <a:fld id="{78C97017-6FC3-485B-9764-EAC9E56C1D49}" type="datetimeFigureOut">
               <a:rPr lang="en-US" smtClean="0"/>
-              <a:t>4/1/2019</a:t>
+              <a:t>4/15/2019</a:t>
             </a:fld>
             <a:endParaRPr lang="en-US"/>
           </a:p>
@@ -1497,7 +1497,7 @@
           <a:p>
             <a:fld id="{78C97017-6FC3-485B-9764-EAC9E56C1D49}" type="datetimeFigureOut">
               <a:rPr lang="en-US" smtClean="0"/>
-              <a:t>4/1/2019</a:t>
+              <a:t>4/15/2019</a:t>
             </a:fld>
             <a:endParaRPr lang="en-US"/>
           </a:p>
@@ -1782,7 +1782,7 @@
           <a:p>
             <a:fld id="{78C97017-6FC3-485B-9764-EAC9E56C1D49}" type="datetimeFigureOut">
               <a:rPr lang="en-US" smtClean="0"/>
-              <a:t>4/1/2019</a:t>
+              <a:t>4/15/2019</a:t>
             </a:fld>
             <a:endParaRPr lang="en-US"/>
           </a:p>
@@ -2201,7 +2201,7 @@
           <a:p>
             <a:fld id="{78C97017-6FC3-485B-9764-EAC9E56C1D49}" type="datetimeFigureOut">
               <a:rPr lang="en-US" smtClean="0"/>
-              <a:t>4/1/2019</a:t>
+              <a:t>4/15/2019</a:t>
             </a:fld>
             <a:endParaRPr lang="en-US"/>
           </a:p>
@@ -2318,7 +2318,7 @@
           <a:p>
             <a:fld id="{78C97017-6FC3-485B-9764-EAC9E56C1D49}" type="datetimeFigureOut">
               <a:rPr lang="en-US" smtClean="0"/>
-              <a:t>4/1/2019</a:t>
+              <a:t>4/15/2019</a:t>
             </a:fld>
             <a:endParaRPr lang="en-US"/>
           </a:p>
@@ -2413,7 +2413,7 @@
           <a:p>
             <a:fld id="{78C97017-6FC3-485B-9764-EAC9E56C1D49}" type="datetimeFigureOut">
               <a:rPr lang="en-US" smtClean="0"/>
-              <a:t>4/1/2019</a:t>
+              <a:t>4/15/2019</a:t>
             </a:fld>
             <a:endParaRPr lang="en-US"/>
           </a:p>
@@ -2688,7 +2688,7 @@
           <a:p>
             <a:fld id="{78C97017-6FC3-485B-9764-EAC9E56C1D49}" type="datetimeFigureOut">
               <a:rPr lang="en-US" smtClean="0"/>
-              <a:t>4/1/2019</a:t>
+              <a:t>4/15/2019</a:t>
             </a:fld>
             <a:endParaRPr lang="en-US"/>
           </a:p>
@@ -2940,7 +2940,7 @@
           <a:p>
             <a:fld id="{78C97017-6FC3-485B-9764-EAC9E56C1D49}" type="datetimeFigureOut">
               <a:rPr lang="en-US" smtClean="0"/>
-              <a:t>4/1/2019</a:t>
+              <a:t>4/15/2019</a:t>
             </a:fld>
             <a:endParaRPr lang="en-US"/>
           </a:p>
@@ -3151,7 +3151,7 @@
           <a:p>
             <a:fld id="{78C97017-6FC3-485B-9764-EAC9E56C1D49}" type="datetimeFigureOut">
               <a:rPr lang="en-US" smtClean="0"/>
-              <a:t>4/1/2019</a:t>
+              <a:t>4/15/2019</a:t>
             </a:fld>
             <a:endParaRPr lang="en-US"/>
           </a:p>
@@ -5388,8 +5388,8 @@
           </p:nvSpPr>
           <p:spPr>
             <a:xfrm>
-              <a:off x="7283908" y="2031315"/>
-              <a:ext cx="1444794" cy="461538"/>
+              <a:off x="7283908" y="1773448"/>
+              <a:ext cx="1770072" cy="719405"/>
             </a:xfrm>
             <a:prstGeom prst="rect">
               <a:avLst/>
@@ -5424,12 +5424,39 @@
             <a:p>
               <a:pPr algn="ctr"/>
               <a:r>
+                <a:rPr lang="en-US" sz="1600" dirty="0" err="1">
+                  <a:solidFill>
+                    <a:schemeClr val="bg1"/>
+                  </a:solidFill>
+                </a:rPr>
+                <a:t>command:Find</a:t>
+              </a:r>
+              <a:endParaRPr lang="en-US" sz="1600" dirty="0">
+                <a:solidFill>
+                  <a:schemeClr val="bg1"/>
+                </a:solidFill>
+              </a:endParaRPr>
+            </a:p>
+            <a:p>
+              <a:pPr algn="ctr"/>
+              <a:r>
                 <a:rPr lang="en-US" sz="1600" dirty="0">
                   <a:solidFill>
                     <a:schemeClr val="bg1"/>
                   </a:solidFill>
                 </a:rPr>
-                <a:t>command:FindCommand</a:t>
+                <a:t>Employee</a:t>
+              </a:r>
+            </a:p>
+            <a:p>
+              <a:pPr algn="ctr"/>
+              <a:r>
+                <a:rPr lang="en-US" sz="1600" dirty="0">
+                  <a:solidFill>
+                    <a:schemeClr val="bg1"/>
+                  </a:solidFill>
+                </a:rPr>
+                <a:t>Command</a:t>
               </a:r>
               <a:endParaRPr lang="en-SG" sz="1600" dirty="0">
                 <a:solidFill>
